--- a/P04_Results/NPS_20200525_XC.pptx
+++ b/P04_Results/NPS_20200525_XC.pptx
@@ -4,14 +4,19 @@
   <p:sldMasterIdLst>
     <p:sldMasterId id="2147483648" r:id="rId1"/>
   </p:sldMasterIdLst>
+  <p:notesMasterIdLst>
+    <p:notesMasterId r:id="rId11"/>
+  </p:notesMasterIdLst>
   <p:sldIdLst>
     <p:sldId id="256" r:id="rId2"/>
     <p:sldId id="263" r:id="rId3"/>
     <p:sldId id="257" r:id="rId4"/>
     <p:sldId id="262" r:id="rId5"/>
-    <p:sldId id="264" r:id="rId6"/>
-    <p:sldId id="265" r:id="rId7"/>
-    <p:sldId id="261" r:id="rId8"/>
+    <p:sldId id="266" r:id="rId6"/>
+    <p:sldId id="264" r:id="rId7"/>
+    <p:sldId id="267" r:id="rId8"/>
+    <p:sldId id="261" r:id="rId9"/>
+    <p:sldId id="265" r:id="rId10"/>
   </p:sldIdLst>
   <p:sldSz cx="12192000" cy="6858000"/>
   <p:notesSz cx="6858000" cy="9144000"/>
@@ -118,6 +123,439 @@
 </p:presentation>
 </file>
 
+<file path=ppt/notesMasters/notesMaster1.xml><?xml version="1.0" encoding="utf-8"?>
+<p:notesMaster xmlns:a="http://schemas.openxmlformats.org/drawingml/2006/main" xmlns:r="http://schemas.openxmlformats.org/officeDocument/2006/relationships" xmlns:p="http://schemas.openxmlformats.org/presentationml/2006/main">
+  <p:cSld>
+    <p:bg>
+      <p:bgRef idx="1001">
+        <a:schemeClr val="bg1"/>
+      </p:bgRef>
+    </p:bg>
+    <p:spTree>
+      <p:nvGrpSpPr>
+        <p:cNvPr id="1" name=""/>
+        <p:cNvGrpSpPr/>
+        <p:nvPr/>
+      </p:nvGrpSpPr>
+      <p:grpSpPr>
+        <a:xfrm>
+          <a:off x="0" y="0"/>
+          <a:ext cx="0" cy="0"/>
+          <a:chOff x="0" y="0"/>
+          <a:chExt cx="0" cy="0"/>
+        </a:xfrm>
+      </p:grpSpPr>
+      <p:sp>
+        <p:nvSpPr>
+          <p:cNvPr id="2" name="Header Placeholder 1"/>
+          <p:cNvSpPr>
+            <a:spLocks noGrp="1"/>
+          </p:cNvSpPr>
+          <p:nvPr>
+            <p:ph type="hdr" sz="quarter"/>
+          </p:nvPr>
+        </p:nvSpPr>
+        <p:spPr>
+          <a:xfrm>
+            <a:off x="0" y="0"/>
+            <a:ext cx="2971800" cy="458788"/>
+          </a:xfrm>
+          <a:prstGeom prst="rect">
+            <a:avLst/>
+          </a:prstGeom>
+        </p:spPr>
+        <p:txBody>
+          <a:bodyPr vert="horz" lIns="91440" tIns="45720" rIns="91440" bIns="45720" rtlCol="0"/>
+          <a:lstStyle>
+            <a:lvl1pPr algn="l">
+              <a:defRPr sz="1200"/>
+            </a:lvl1pPr>
+          </a:lstStyle>
+          <a:p>
+            <a:endParaRPr lang="en-US"/>
+          </a:p>
+        </p:txBody>
+      </p:sp>
+      <p:sp>
+        <p:nvSpPr>
+          <p:cNvPr id="3" name="Date Placeholder 2"/>
+          <p:cNvSpPr>
+            <a:spLocks noGrp="1"/>
+          </p:cNvSpPr>
+          <p:nvPr>
+            <p:ph type="dt" idx="1"/>
+          </p:nvPr>
+        </p:nvSpPr>
+        <p:spPr>
+          <a:xfrm>
+            <a:off x="3884613" y="0"/>
+            <a:ext cx="2971800" cy="458788"/>
+          </a:xfrm>
+          <a:prstGeom prst="rect">
+            <a:avLst/>
+          </a:prstGeom>
+        </p:spPr>
+        <p:txBody>
+          <a:bodyPr vert="horz" lIns="91440" tIns="45720" rIns="91440" bIns="45720" rtlCol="0"/>
+          <a:lstStyle>
+            <a:lvl1pPr algn="r">
+              <a:defRPr sz="1200"/>
+            </a:lvl1pPr>
+          </a:lstStyle>
+          <a:p>
+            <a:fld id="{252844D5-4440-3641-9E3E-39DBBAFD5991}" type="datetimeFigureOut">
+              <a:rPr lang="en-US" smtClean="0"/>
+              <a:t>5/28/20</a:t>
+            </a:fld>
+            <a:endParaRPr lang="en-US"/>
+          </a:p>
+        </p:txBody>
+      </p:sp>
+      <p:sp>
+        <p:nvSpPr>
+          <p:cNvPr id="4" name="Slide Image Placeholder 3"/>
+          <p:cNvSpPr>
+            <a:spLocks noGrp="1" noRot="1" noChangeAspect="1"/>
+          </p:cNvSpPr>
+          <p:nvPr>
+            <p:ph type="sldImg" idx="2"/>
+          </p:nvPr>
+        </p:nvSpPr>
+        <p:spPr>
+          <a:xfrm>
+            <a:off x="685800" y="1143000"/>
+            <a:ext cx="5486400" cy="3086100"/>
+          </a:xfrm>
+          <a:prstGeom prst="rect">
+            <a:avLst/>
+          </a:prstGeom>
+          <a:noFill/>
+          <a:ln w="12700">
+            <a:solidFill>
+              <a:prstClr val="black"/>
+            </a:solidFill>
+          </a:ln>
+        </p:spPr>
+        <p:txBody>
+          <a:bodyPr vert="horz" lIns="91440" tIns="45720" rIns="91440" bIns="45720" rtlCol="0" anchor="ctr"/>
+          <a:lstStyle/>
+          <a:p>
+            <a:endParaRPr lang="en-US"/>
+          </a:p>
+        </p:txBody>
+      </p:sp>
+      <p:sp>
+        <p:nvSpPr>
+          <p:cNvPr id="5" name="Notes Placeholder 4"/>
+          <p:cNvSpPr>
+            <a:spLocks noGrp="1"/>
+          </p:cNvSpPr>
+          <p:nvPr>
+            <p:ph type="body" sz="quarter" idx="3"/>
+          </p:nvPr>
+        </p:nvSpPr>
+        <p:spPr>
+          <a:xfrm>
+            <a:off x="685800" y="4400550"/>
+            <a:ext cx="5486400" cy="3600450"/>
+          </a:xfrm>
+          <a:prstGeom prst="rect">
+            <a:avLst/>
+          </a:prstGeom>
+        </p:spPr>
+        <p:txBody>
+          <a:bodyPr vert="horz" lIns="91440" tIns="45720" rIns="91440" bIns="45720" rtlCol="0"/>
+          <a:lstStyle/>
+          <a:p>
+            <a:pPr lvl="0"/>
+            <a:r>
+              <a:rPr lang="en-US"/>
+              <a:t>Click to edit Master text styles</a:t>
+            </a:r>
+          </a:p>
+          <a:p>
+            <a:pPr lvl="1"/>
+            <a:r>
+              <a:rPr lang="en-US"/>
+              <a:t>Second level</a:t>
+            </a:r>
+          </a:p>
+          <a:p>
+            <a:pPr lvl="2"/>
+            <a:r>
+              <a:rPr lang="en-US"/>
+              <a:t>Third level</a:t>
+            </a:r>
+          </a:p>
+          <a:p>
+            <a:pPr lvl="3"/>
+            <a:r>
+              <a:rPr lang="en-US"/>
+              <a:t>Fourth level</a:t>
+            </a:r>
+          </a:p>
+          <a:p>
+            <a:pPr lvl="4"/>
+            <a:r>
+              <a:rPr lang="en-US"/>
+              <a:t>Fifth level</a:t>
+            </a:r>
+          </a:p>
+        </p:txBody>
+      </p:sp>
+      <p:sp>
+        <p:nvSpPr>
+          <p:cNvPr id="6" name="Footer Placeholder 5"/>
+          <p:cNvSpPr>
+            <a:spLocks noGrp="1"/>
+          </p:cNvSpPr>
+          <p:nvPr>
+            <p:ph type="ftr" sz="quarter" idx="4"/>
+          </p:nvPr>
+        </p:nvSpPr>
+        <p:spPr>
+          <a:xfrm>
+            <a:off x="0" y="8685213"/>
+            <a:ext cx="2971800" cy="458787"/>
+          </a:xfrm>
+          <a:prstGeom prst="rect">
+            <a:avLst/>
+          </a:prstGeom>
+        </p:spPr>
+        <p:txBody>
+          <a:bodyPr vert="horz" lIns="91440" tIns="45720" rIns="91440" bIns="45720" rtlCol="0" anchor="b"/>
+          <a:lstStyle>
+            <a:lvl1pPr algn="l">
+              <a:defRPr sz="1200"/>
+            </a:lvl1pPr>
+          </a:lstStyle>
+          <a:p>
+            <a:endParaRPr lang="en-US"/>
+          </a:p>
+        </p:txBody>
+      </p:sp>
+      <p:sp>
+        <p:nvSpPr>
+          <p:cNvPr id="7" name="Slide Number Placeholder 6"/>
+          <p:cNvSpPr>
+            <a:spLocks noGrp="1"/>
+          </p:cNvSpPr>
+          <p:nvPr>
+            <p:ph type="sldNum" sz="quarter" idx="5"/>
+          </p:nvPr>
+        </p:nvSpPr>
+        <p:spPr>
+          <a:xfrm>
+            <a:off x="3884613" y="8685213"/>
+            <a:ext cx="2971800" cy="458787"/>
+          </a:xfrm>
+          <a:prstGeom prst="rect">
+            <a:avLst/>
+          </a:prstGeom>
+        </p:spPr>
+        <p:txBody>
+          <a:bodyPr vert="horz" lIns="91440" tIns="45720" rIns="91440" bIns="45720" rtlCol="0" anchor="b"/>
+          <a:lstStyle>
+            <a:lvl1pPr algn="r">
+              <a:defRPr sz="1200"/>
+            </a:lvl1pPr>
+          </a:lstStyle>
+          <a:p>
+            <a:fld id="{4910B3B8-59DA-474C-AA85-D2607F437EC6}" type="slidenum">
+              <a:rPr lang="en-US" smtClean="0"/>
+              <a:t>‹#›</a:t>
+            </a:fld>
+            <a:endParaRPr lang="en-US"/>
+          </a:p>
+        </p:txBody>
+      </p:sp>
+    </p:spTree>
+    <p:extLst>
+      <p:ext uri="{BB962C8B-B14F-4D97-AF65-F5344CB8AC3E}">
+        <p14:creationId xmlns:p14="http://schemas.microsoft.com/office/powerpoint/2010/main" val="1279778371"/>
+      </p:ext>
+    </p:extLst>
+  </p:cSld>
+  <p:clrMap bg1="lt1" tx1="dk1" bg2="lt2" tx2="dk2" accent1="accent1" accent2="accent2" accent3="accent3" accent4="accent4" accent5="accent5" accent6="accent6" hlink="hlink" folHlink="folHlink"/>
+  <p:notesStyle>
+    <a:lvl1pPr marL="0" algn="l" defTabSz="914400" rtl="0" eaLnBrk="1" latinLnBrk="0" hangingPunct="1">
+      <a:defRPr sz="1200" kern="1200">
+        <a:solidFill>
+          <a:schemeClr val="tx1"/>
+        </a:solidFill>
+        <a:latin typeface="+mn-lt"/>
+        <a:ea typeface="+mn-ea"/>
+        <a:cs typeface="+mn-cs"/>
+      </a:defRPr>
+    </a:lvl1pPr>
+    <a:lvl2pPr marL="457200" algn="l" defTabSz="914400" rtl="0" eaLnBrk="1" latinLnBrk="0" hangingPunct="1">
+      <a:defRPr sz="1200" kern="1200">
+        <a:solidFill>
+          <a:schemeClr val="tx1"/>
+        </a:solidFill>
+        <a:latin typeface="+mn-lt"/>
+        <a:ea typeface="+mn-ea"/>
+        <a:cs typeface="+mn-cs"/>
+      </a:defRPr>
+    </a:lvl2pPr>
+    <a:lvl3pPr marL="914400" algn="l" defTabSz="914400" rtl="0" eaLnBrk="1" latinLnBrk="0" hangingPunct="1">
+      <a:defRPr sz="1200" kern="1200">
+        <a:solidFill>
+          <a:schemeClr val="tx1"/>
+        </a:solidFill>
+        <a:latin typeface="+mn-lt"/>
+        <a:ea typeface="+mn-ea"/>
+        <a:cs typeface="+mn-cs"/>
+      </a:defRPr>
+    </a:lvl3pPr>
+    <a:lvl4pPr marL="1371600" algn="l" defTabSz="914400" rtl="0" eaLnBrk="1" latinLnBrk="0" hangingPunct="1">
+      <a:defRPr sz="1200" kern="1200">
+        <a:solidFill>
+          <a:schemeClr val="tx1"/>
+        </a:solidFill>
+        <a:latin typeface="+mn-lt"/>
+        <a:ea typeface="+mn-ea"/>
+        <a:cs typeface="+mn-cs"/>
+      </a:defRPr>
+    </a:lvl4pPr>
+    <a:lvl5pPr marL="1828800" algn="l" defTabSz="914400" rtl="0" eaLnBrk="1" latinLnBrk="0" hangingPunct="1">
+      <a:defRPr sz="1200" kern="1200">
+        <a:solidFill>
+          <a:schemeClr val="tx1"/>
+        </a:solidFill>
+        <a:latin typeface="+mn-lt"/>
+        <a:ea typeface="+mn-ea"/>
+        <a:cs typeface="+mn-cs"/>
+      </a:defRPr>
+    </a:lvl5pPr>
+    <a:lvl6pPr marL="2286000" algn="l" defTabSz="914400" rtl="0" eaLnBrk="1" latinLnBrk="0" hangingPunct="1">
+      <a:defRPr sz="1200" kern="1200">
+        <a:solidFill>
+          <a:schemeClr val="tx1"/>
+        </a:solidFill>
+        <a:latin typeface="+mn-lt"/>
+        <a:ea typeface="+mn-ea"/>
+        <a:cs typeface="+mn-cs"/>
+      </a:defRPr>
+    </a:lvl6pPr>
+    <a:lvl7pPr marL="2743200" algn="l" defTabSz="914400" rtl="0" eaLnBrk="1" latinLnBrk="0" hangingPunct="1">
+      <a:defRPr sz="1200" kern="1200">
+        <a:solidFill>
+          <a:schemeClr val="tx1"/>
+        </a:solidFill>
+        <a:latin typeface="+mn-lt"/>
+        <a:ea typeface="+mn-ea"/>
+        <a:cs typeface="+mn-cs"/>
+      </a:defRPr>
+    </a:lvl7pPr>
+    <a:lvl8pPr marL="3200400" algn="l" defTabSz="914400" rtl="0" eaLnBrk="1" latinLnBrk="0" hangingPunct="1">
+      <a:defRPr sz="1200" kern="1200">
+        <a:solidFill>
+          <a:schemeClr val="tx1"/>
+        </a:solidFill>
+        <a:latin typeface="+mn-lt"/>
+        <a:ea typeface="+mn-ea"/>
+        <a:cs typeface="+mn-cs"/>
+      </a:defRPr>
+    </a:lvl8pPr>
+    <a:lvl9pPr marL="3657600" algn="l" defTabSz="914400" rtl="0" eaLnBrk="1" latinLnBrk="0" hangingPunct="1">
+      <a:defRPr sz="1200" kern="1200">
+        <a:solidFill>
+          <a:schemeClr val="tx1"/>
+        </a:solidFill>
+        <a:latin typeface="+mn-lt"/>
+        <a:ea typeface="+mn-ea"/>
+        <a:cs typeface="+mn-cs"/>
+      </a:defRPr>
+    </a:lvl9pPr>
+  </p:notesStyle>
+</p:notesMaster>
+</file>
+
+<file path=ppt/notesSlides/notesSlide1.xml><?xml version="1.0" encoding="utf-8"?>
+<p:notes xmlns:a="http://schemas.openxmlformats.org/drawingml/2006/main" xmlns:r="http://schemas.openxmlformats.org/officeDocument/2006/relationships" xmlns:p="http://schemas.openxmlformats.org/presentationml/2006/main">
+  <p:cSld>
+    <p:spTree>
+      <p:nvGrpSpPr>
+        <p:cNvPr id="1" name=""/>
+        <p:cNvGrpSpPr/>
+        <p:nvPr/>
+      </p:nvGrpSpPr>
+      <p:grpSpPr>
+        <a:xfrm>
+          <a:off x="0" y="0"/>
+          <a:ext cx="0" cy="0"/>
+          <a:chOff x="0" y="0"/>
+          <a:chExt cx="0" cy="0"/>
+        </a:xfrm>
+      </p:grpSpPr>
+      <p:sp>
+        <p:nvSpPr>
+          <p:cNvPr id="2" name="Slide Image Placeholder 1"/>
+          <p:cNvSpPr>
+            <a:spLocks noGrp="1" noRot="1" noChangeAspect="1"/>
+          </p:cNvSpPr>
+          <p:nvPr>
+            <p:ph type="sldImg"/>
+          </p:nvPr>
+        </p:nvSpPr>
+        <p:spPr/>
+      </p:sp>
+      <p:sp>
+        <p:nvSpPr>
+          <p:cNvPr id="3" name="Notes Placeholder 2"/>
+          <p:cNvSpPr>
+            <a:spLocks noGrp="1"/>
+          </p:cNvSpPr>
+          <p:nvPr>
+            <p:ph type="body" idx="1"/>
+          </p:nvPr>
+        </p:nvSpPr>
+        <p:spPr/>
+        <p:txBody>
+          <a:bodyPr/>
+          <a:lstStyle/>
+          <a:p>
+            <a:endParaRPr lang="en-US" dirty="0"/>
+          </a:p>
+        </p:txBody>
+      </p:sp>
+      <p:sp>
+        <p:nvSpPr>
+          <p:cNvPr id="4" name="Slide Number Placeholder 3"/>
+          <p:cNvSpPr>
+            <a:spLocks noGrp="1"/>
+          </p:cNvSpPr>
+          <p:nvPr>
+            <p:ph type="sldNum" sz="quarter" idx="5"/>
+          </p:nvPr>
+        </p:nvSpPr>
+        <p:spPr/>
+        <p:txBody>
+          <a:bodyPr/>
+          <a:lstStyle/>
+          <a:p>
+            <a:fld id="{4910B3B8-59DA-474C-AA85-D2607F437EC6}" type="slidenum">
+              <a:rPr lang="en-US" smtClean="0"/>
+              <a:t>8</a:t>
+            </a:fld>
+            <a:endParaRPr lang="en-US"/>
+          </a:p>
+        </p:txBody>
+      </p:sp>
+    </p:spTree>
+    <p:extLst>
+      <p:ext uri="{BB962C8B-B14F-4D97-AF65-F5344CB8AC3E}">
+        <p14:creationId xmlns:p14="http://schemas.microsoft.com/office/powerpoint/2010/main" val="1624023423"/>
+      </p:ext>
+    </p:extLst>
+  </p:cSld>
+  <p:clrMapOvr>
+    <a:masterClrMapping/>
+  </p:clrMapOvr>
+</p:notes>
+</file>
+
 <file path=ppt/slideLayouts/slideLayout1.xml><?xml version="1.0" encoding="utf-8"?>
 <p:sldLayout xmlns:a="http://schemas.openxmlformats.org/drawingml/2006/main" xmlns:r="http://schemas.openxmlformats.org/officeDocument/2006/relationships" xmlns:p="http://schemas.openxmlformats.org/presentationml/2006/main" type="title" preserve="1">
   <p:cSld name="Title Slide">
@@ -265,7 +703,7 @@
           <a:p>
             <a:fld id="{7E93ECA1-176B-D24B-ACB9-B2863F152BF7}" type="datetimeFigureOut">
               <a:rPr lang="en-US" smtClean="0"/>
-              <a:t>5/23/20</a:t>
+              <a:t>5/28/20</a:t>
             </a:fld>
             <a:endParaRPr lang="en-US"/>
           </a:p>
@@ -463,7 +901,7 @@
           <a:p>
             <a:fld id="{7E93ECA1-176B-D24B-ACB9-B2863F152BF7}" type="datetimeFigureOut">
               <a:rPr lang="en-US" smtClean="0"/>
-              <a:t>5/23/20</a:t>
+              <a:t>5/28/20</a:t>
             </a:fld>
             <a:endParaRPr lang="en-US"/>
           </a:p>
@@ -671,7 +1109,7 @@
           <a:p>
             <a:fld id="{7E93ECA1-176B-D24B-ACB9-B2863F152BF7}" type="datetimeFigureOut">
               <a:rPr lang="en-US" smtClean="0"/>
-              <a:t>5/23/20</a:t>
+              <a:t>5/28/20</a:t>
             </a:fld>
             <a:endParaRPr lang="en-US"/>
           </a:p>
@@ -869,7 +1307,7 @@
           <a:p>
             <a:fld id="{7E93ECA1-176B-D24B-ACB9-B2863F152BF7}" type="datetimeFigureOut">
               <a:rPr lang="en-US" smtClean="0"/>
-              <a:t>5/23/20</a:t>
+              <a:t>5/28/20</a:t>
             </a:fld>
             <a:endParaRPr lang="en-US"/>
           </a:p>
@@ -1144,7 +1582,7 @@
           <a:p>
             <a:fld id="{7E93ECA1-176B-D24B-ACB9-B2863F152BF7}" type="datetimeFigureOut">
               <a:rPr lang="en-US" smtClean="0"/>
-              <a:t>5/23/20</a:t>
+              <a:t>5/28/20</a:t>
             </a:fld>
             <a:endParaRPr lang="en-US"/>
           </a:p>
@@ -1409,7 +1847,7 @@
           <a:p>
             <a:fld id="{7E93ECA1-176B-D24B-ACB9-B2863F152BF7}" type="datetimeFigureOut">
               <a:rPr lang="en-US" smtClean="0"/>
-              <a:t>5/23/20</a:t>
+              <a:t>5/28/20</a:t>
             </a:fld>
             <a:endParaRPr lang="en-US"/>
           </a:p>
@@ -1821,7 +2259,7 @@
           <a:p>
             <a:fld id="{7E93ECA1-176B-D24B-ACB9-B2863F152BF7}" type="datetimeFigureOut">
               <a:rPr lang="en-US" smtClean="0"/>
-              <a:t>5/23/20</a:t>
+              <a:t>5/28/20</a:t>
             </a:fld>
             <a:endParaRPr lang="en-US"/>
           </a:p>
@@ -1962,7 +2400,7 @@
           <a:p>
             <a:fld id="{7E93ECA1-176B-D24B-ACB9-B2863F152BF7}" type="datetimeFigureOut">
               <a:rPr lang="en-US" smtClean="0"/>
-              <a:t>5/23/20</a:t>
+              <a:t>5/28/20</a:t>
             </a:fld>
             <a:endParaRPr lang="en-US"/>
           </a:p>
@@ -2075,7 +2513,7 @@
           <a:p>
             <a:fld id="{7E93ECA1-176B-D24B-ACB9-B2863F152BF7}" type="datetimeFigureOut">
               <a:rPr lang="en-US" smtClean="0"/>
-              <a:t>5/23/20</a:t>
+              <a:t>5/28/20</a:t>
             </a:fld>
             <a:endParaRPr lang="en-US"/>
           </a:p>
@@ -2386,7 +2824,7 @@
           <a:p>
             <a:fld id="{7E93ECA1-176B-D24B-ACB9-B2863F152BF7}" type="datetimeFigureOut">
               <a:rPr lang="en-US" smtClean="0"/>
-              <a:t>5/23/20</a:t>
+              <a:t>5/28/20</a:t>
             </a:fld>
             <a:endParaRPr lang="en-US"/>
           </a:p>
@@ -2674,7 +3112,7 @@
           <a:p>
             <a:fld id="{7E93ECA1-176B-D24B-ACB9-B2863F152BF7}" type="datetimeFigureOut">
               <a:rPr lang="en-US" smtClean="0"/>
-              <a:t>5/23/20</a:t>
+              <a:t>5/28/20</a:t>
             </a:fld>
             <a:endParaRPr lang="en-US"/>
           </a:p>
@@ -2915,7 +3353,7 @@
           <a:p>
             <a:fld id="{7E93ECA1-176B-D24B-ACB9-B2863F152BF7}" type="datetimeFigureOut">
               <a:rPr lang="en-US" smtClean="0"/>
-              <a:t>5/23/20</a:t>
+              <a:t>5/28/20</a:t>
             </a:fld>
             <a:endParaRPr lang="en-US"/>
           </a:p>
@@ -3424,7 +3862,7 @@
           <a:p>
             <a:r>
               <a:rPr lang="en-US" altLang="zh-CN" dirty="0"/>
-              <a:t>2020.05.25</a:t>
+              <a:t>2020.05.28</a:t>
             </a:r>
             <a:endParaRPr lang="en-US" dirty="0"/>
           </a:p>
@@ -3475,7 +3913,7 @@
           <p:nvPr>
             <p:extLst>
               <p:ext uri="{D42A27DB-BD31-4B8C-83A1-F6EECF244321}">
-                <p14:modId xmlns:p14="http://schemas.microsoft.com/office/powerpoint/2010/main" val="187918918"/>
+                <p14:modId xmlns:p14="http://schemas.microsoft.com/office/powerpoint/2010/main" val="1049816891"/>
               </p:ext>
             </p:extLst>
           </p:nvPr>
@@ -6561,6 +6999,78 @@
                     <a:bodyPr/>
                     <a:lstStyle/>
                     <a:p>
+                      <a:r>
+                        <a:rPr lang="en-US" altLang="zh-CN" dirty="0">
+                          <a:solidFill>
+                            <a:schemeClr val="tx1"/>
+                          </a:solidFill>
+                        </a:rPr>
+                        <a:t>Low</a:t>
+                      </a:r>
+                      <a:r>
+                        <a:rPr lang="zh-CN" altLang="en-US" dirty="0">
+                          <a:solidFill>
+                            <a:schemeClr val="tx1"/>
+                          </a:solidFill>
+                        </a:rPr>
+                        <a:t> </a:t>
+                      </a:r>
+                      <a:r>
+                        <a:rPr lang="en-US" altLang="zh-CN" dirty="0">
+                          <a:solidFill>
+                            <a:schemeClr val="tx1"/>
+                          </a:solidFill>
+                        </a:rPr>
+                        <a:t>positive</a:t>
+                      </a:r>
+                      <a:r>
+                        <a:rPr lang="zh-CN" altLang="en-US" dirty="0">
+                          <a:solidFill>
+                            <a:schemeClr val="tx1"/>
+                          </a:solidFill>
+                        </a:rPr>
+                        <a:t> </a:t>
+                      </a:r>
+                      <a:r>
+                        <a:rPr lang="en-US" altLang="zh-CN" dirty="0">
+                          <a:solidFill>
+                            <a:schemeClr val="tx1"/>
+                          </a:solidFill>
+                        </a:rPr>
+                        <a:t>percentage,</a:t>
+                      </a:r>
+                      <a:r>
+                        <a:rPr lang="zh-CN" altLang="en-US" dirty="0">
+                          <a:solidFill>
+                            <a:schemeClr val="tx1"/>
+                          </a:solidFill>
+                        </a:rPr>
+                        <a:t> </a:t>
+                      </a:r>
+                      <a:r>
+                        <a:rPr lang="en-US" altLang="zh-CN" dirty="0">
+                          <a:solidFill>
+                            <a:schemeClr val="tx1"/>
+                          </a:solidFill>
+                        </a:rPr>
+                        <a:t>effect</a:t>
+                      </a:r>
+                      <a:r>
+                        <a:rPr lang="zh-CN" altLang="en-US" dirty="0">
+                          <a:solidFill>
+                            <a:schemeClr val="tx1"/>
+                          </a:solidFill>
+                        </a:rPr>
+                        <a:t> </a:t>
+                      </a:r>
+                      <a:r>
+                        <a:rPr lang="en-US" altLang="zh-CN" dirty="0">
+                          <a:solidFill>
+                            <a:schemeClr val="tx1"/>
+                          </a:solidFill>
+                        </a:rPr>
+                        <a:t>size</a:t>
+                      </a:r>
                       <a:endParaRPr lang="en-US" dirty="0">
                         <a:solidFill>
                           <a:schemeClr val="tx1"/>
@@ -7985,7 +8495,7 @@
                             <a:schemeClr val="tx1"/>
                           </a:solidFill>
                         </a:rPr>
-                        <a:t>Adjust temperatures to be the same in subjective VAS ratings </a:t>
+                        <a:t>One temperature level, no variance</a:t>
                       </a:r>
                     </a:p>
                   </a:txBody>
@@ -8784,12 +9294,84 @@
           </a:p>
         </p:txBody>
       </p:sp>
+      <p:sp>
+        <p:nvSpPr>
+          <p:cNvPr id="15" name="TextBox 14">
+            <a:extLst>
+              <a:ext uri="{FF2B5EF4-FFF2-40B4-BE49-F238E27FC236}">
+                <a16:creationId xmlns:a16="http://schemas.microsoft.com/office/drawing/2014/main" id="{0051B802-95B6-A04D-82A8-B9A92D3D52A5}"/>
+              </a:ext>
+            </a:extLst>
+          </p:cNvPr>
+          <p:cNvSpPr txBox="1"/>
+          <p:nvPr/>
+        </p:nvSpPr>
+        <p:spPr>
+          <a:xfrm>
+            <a:off x="138662" y="5701865"/>
+            <a:ext cx="1755228" cy="646331"/>
+          </a:xfrm>
+          <a:prstGeom prst="rect">
+            <a:avLst/>
+          </a:prstGeom>
+          <a:noFill/>
+        </p:spPr>
+        <p:txBody>
+          <a:bodyPr wrap="square" rtlCol="0">
+            <a:spAutoFit/>
+          </a:bodyPr>
+          <a:lstStyle/>
+          <a:p>
+            <a:pPr algn="ctr"/>
+            <a:r>
+              <a:rPr lang="en-US" dirty="0"/>
+              <a:t>bmrk3 pain/warm</a:t>
+            </a:r>
+          </a:p>
+        </p:txBody>
+      </p:sp>
+      <p:sp>
+        <p:nvSpPr>
+          <p:cNvPr id="17" name="TextBox 16">
+            <a:extLst>
+              <a:ext uri="{FF2B5EF4-FFF2-40B4-BE49-F238E27FC236}">
+                <a16:creationId xmlns:a16="http://schemas.microsoft.com/office/drawing/2014/main" id="{89276543-2AAD-0340-AF02-022C38605CA6}"/>
+              </a:ext>
+            </a:extLst>
+          </p:cNvPr>
+          <p:cNvSpPr txBox="1"/>
+          <p:nvPr/>
+        </p:nvSpPr>
+        <p:spPr>
+          <a:xfrm>
+            <a:off x="1352604" y="5707120"/>
+            <a:ext cx="1755228" cy="646331"/>
+          </a:xfrm>
+          <a:prstGeom prst="rect">
+            <a:avLst/>
+          </a:prstGeom>
+          <a:noFill/>
+        </p:spPr>
+        <p:txBody>
+          <a:bodyPr wrap="square" rtlCol="0">
+            <a:spAutoFit/>
+          </a:bodyPr>
+          <a:lstStyle/>
+          <a:p>
+            <a:pPr algn="ctr"/>
+            <a:r>
+              <a:rPr lang="en-US" dirty="0"/>
+              <a:t>bmrk5 pain/sound</a:t>
+            </a:r>
+          </a:p>
+        </p:txBody>
+      </p:sp>
       <p:pic>
         <p:nvPicPr>
-          <p:cNvPr id="13" name="Picture 12" descr="A picture containing table, man, display&#10;&#10;Description automatically generated">
-            <a:extLst>
-              <a:ext uri="{FF2B5EF4-FFF2-40B4-BE49-F238E27FC236}">
-                <a16:creationId xmlns:a16="http://schemas.microsoft.com/office/drawing/2014/main" id="{4730B79D-3AC0-7A43-B5BD-C105C795ED05}"/>
+          <p:cNvPr id="25" name="Picture 24" descr="A close up of a map&#10;&#10;Description automatically generated">
+            <a:extLst>
+              <a:ext uri="{FF2B5EF4-FFF2-40B4-BE49-F238E27FC236}">
+                <a16:creationId xmlns:a16="http://schemas.microsoft.com/office/drawing/2014/main" id="{B8A6F91F-8F2D-244E-A57A-2E3A18400EFB}"/>
               </a:ext>
             </a:extLst>
           </p:cNvPr>
@@ -8800,6 +9382,577 @@
         </p:nvPicPr>
         <p:blipFill>
           <a:blip r:embed="rId2"/>
+          <a:stretch>
+            <a:fillRect/>
+          </a:stretch>
+        </p:blipFill>
+        <p:spPr>
+          <a:xfrm>
+            <a:off x="5532066" y="388881"/>
+            <a:ext cx="6858000" cy="6858000"/>
+          </a:xfrm>
+          <a:prstGeom prst="rect">
+            <a:avLst/>
+          </a:prstGeom>
+        </p:spPr>
+      </p:pic>
+      <p:sp>
+        <p:nvSpPr>
+          <p:cNvPr id="26" name="TextBox 25">
+            <a:extLst>
+              <a:ext uri="{FF2B5EF4-FFF2-40B4-BE49-F238E27FC236}">
+                <a16:creationId xmlns:a16="http://schemas.microsoft.com/office/drawing/2014/main" id="{5C8C494E-1ABA-7F49-B5AC-2CDB1EDAD26E}"/>
+              </a:ext>
+            </a:extLst>
+          </p:cNvPr>
+          <p:cNvSpPr txBox="1"/>
+          <p:nvPr/>
+        </p:nvSpPr>
+        <p:spPr>
+          <a:xfrm>
+            <a:off x="6393390" y="1982547"/>
+            <a:ext cx="1066400" cy="369332"/>
+          </a:xfrm>
+          <a:prstGeom prst="rect">
+            <a:avLst/>
+          </a:prstGeom>
+          <a:noFill/>
+        </p:spPr>
+        <p:txBody>
+          <a:bodyPr wrap="square" rtlCol="0">
+            <a:spAutoFit/>
+          </a:bodyPr>
+          <a:lstStyle/>
+          <a:p>
+            <a:r>
+              <a:rPr lang="en-US" dirty="0"/>
+              <a:t>87.88%</a:t>
+            </a:r>
+          </a:p>
+        </p:txBody>
+      </p:sp>
+      <p:sp>
+        <p:nvSpPr>
+          <p:cNvPr id="27" name="TextBox 26">
+            <a:extLst>
+              <a:ext uri="{FF2B5EF4-FFF2-40B4-BE49-F238E27FC236}">
+                <a16:creationId xmlns:a16="http://schemas.microsoft.com/office/drawing/2014/main" id="{540F4FBB-B8FB-5A48-92CE-CB6BB98FE83E}"/>
+              </a:ext>
+            </a:extLst>
+          </p:cNvPr>
+          <p:cNvSpPr txBox="1"/>
+          <p:nvPr/>
+        </p:nvSpPr>
+        <p:spPr>
+          <a:xfrm>
+            <a:off x="7630009" y="1991254"/>
+            <a:ext cx="1066400" cy="369332"/>
+          </a:xfrm>
+          <a:prstGeom prst="rect">
+            <a:avLst/>
+          </a:prstGeom>
+          <a:noFill/>
+        </p:spPr>
+        <p:txBody>
+          <a:bodyPr wrap="square" rtlCol="0">
+            <a:spAutoFit/>
+          </a:bodyPr>
+          <a:lstStyle/>
+          <a:p>
+            <a:r>
+              <a:rPr lang="en-US" dirty="0">
+                <a:solidFill>
+                  <a:srgbClr val="FF0000"/>
+                </a:solidFill>
+              </a:rPr>
+              <a:t>50%</a:t>
+            </a:r>
+          </a:p>
+        </p:txBody>
+      </p:sp>
+      <p:sp>
+        <p:nvSpPr>
+          <p:cNvPr id="28" name="TextBox 27">
+            <a:extLst>
+              <a:ext uri="{FF2B5EF4-FFF2-40B4-BE49-F238E27FC236}">
+                <a16:creationId xmlns:a16="http://schemas.microsoft.com/office/drawing/2014/main" id="{419203FC-151D-1A4A-A37A-E4D304DF6D57}"/>
+              </a:ext>
+            </a:extLst>
+          </p:cNvPr>
+          <p:cNvSpPr txBox="1"/>
+          <p:nvPr/>
+        </p:nvSpPr>
+        <p:spPr>
+          <a:xfrm>
+            <a:off x="8735998" y="1986898"/>
+            <a:ext cx="1066400" cy="369332"/>
+          </a:xfrm>
+          <a:prstGeom prst="rect">
+            <a:avLst/>
+          </a:prstGeom>
+          <a:noFill/>
+        </p:spPr>
+        <p:txBody>
+          <a:bodyPr wrap="square" rtlCol="0">
+            <a:spAutoFit/>
+          </a:bodyPr>
+          <a:lstStyle/>
+          <a:p>
+            <a:r>
+              <a:rPr lang="en-US" dirty="0"/>
+              <a:t>100%</a:t>
+            </a:r>
+          </a:p>
+        </p:txBody>
+      </p:sp>
+      <p:sp>
+        <p:nvSpPr>
+          <p:cNvPr id="29" name="TextBox 28">
+            <a:extLst>
+              <a:ext uri="{FF2B5EF4-FFF2-40B4-BE49-F238E27FC236}">
+                <a16:creationId xmlns:a16="http://schemas.microsoft.com/office/drawing/2014/main" id="{36E73A0F-0902-674B-ACBE-39A56805E868}"/>
+              </a:ext>
+            </a:extLst>
+          </p:cNvPr>
+          <p:cNvSpPr txBox="1"/>
+          <p:nvPr/>
+        </p:nvSpPr>
+        <p:spPr>
+          <a:xfrm>
+            <a:off x="9763609" y="1982542"/>
+            <a:ext cx="1066400" cy="369332"/>
+          </a:xfrm>
+          <a:prstGeom prst="rect">
+            <a:avLst/>
+          </a:prstGeom>
+          <a:noFill/>
+        </p:spPr>
+        <p:txBody>
+          <a:bodyPr wrap="square" rtlCol="0">
+            <a:spAutoFit/>
+          </a:bodyPr>
+          <a:lstStyle/>
+          <a:p>
+            <a:r>
+              <a:rPr lang="en-US" dirty="0"/>
+              <a:t>95.70%</a:t>
+            </a:r>
+          </a:p>
+        </p:txBody>
+      </p:sp>
+      <p:sp>
+        <p:nvSpPr>
+          <p:cNvPr id="30" name="TextBox 29">
+            <a:extLst>
+              <a:ext uri="{FF2B5EF4-FFF2-40B4-BE49-F238E27FC236}">
+                <a16:creationId xmlns:a16="http://schemas.microsoft.com/office/drawing/2014/main" id="{DC28CE13-B5ED-704A-8AC6-14D5C031EE05}"/>
+              </a:ext>
+            </a:extLst>
+          </p:cNvPr>
+          <p:cNvSpPr txBox="1"/>
+          <p:nvPr/>
+        </p:nvSpPr>
+        <p:spPr>
+          <a:xfrm>
+            <a:off x="10856536" y="1978186"/>
+            <a:ext cx="1066400" cy="369332"/>
+          </a:xfrm>
+          <a:prstGeom prst="rect">
+            <a:avLst/>
+          </a:prstGeom>
+          <a:noFill/>
+        </p:spPr>
+        <p:txBody>
+          <a:bodyPr wrap="square" rtlCol="0">
+            <a:spAutoFit/>
+          </a:bodyPr>
+          <a:lstStyle/>
+          <a:p>
+            <a:r>
+              <a:rPr lang="en-US" dirty="0">
+                <a:solidFill>
+                  <a:srgbClr val="FF0000"/>
+                </a:solidFill>
+              </a:rPr>
+              <a:t>68.82%</a:t>
+            </a:r>
+          </a:p>
+        </p:txBody>
+      </p:sp>
+      <p:sp>
+        <p:nvSpPr>
+          <p:cNvPr id="31" name="TextBox 30">
+            <a:extLst>
+              <a:ext uri="{FF2B5EF4-FFF2-40B4-BE49-F238E27FC236}">
+                <a16:creationId xmlns:a16="http://schemas.microsoft.com/office/drawing/2014/main" id="{0954A5CF-644F-AD48-9DE3-CDE20F5BF347}"/>
+              </a:ext>
+            </a:extLst>
+          </p:cNvPr>
+          <p:cNvSpPr txBox="1"/>
+          <p:nvPr/>
+        </p:nvSpPr>
+        <p:spPr>
+          <a:xfrm>
+            <a:off x="6428223" y="4055190"/>
+            <a:ext cx="1066400" cy="369332"/>
+          </a:xfrm>
+          <a:prstGeom prst="rect">
+            <a:avLst/>
+          </a:prstGeom>
+          <a:noFill/>
+        </p:spPr>
+        <p:txBody>
+          <a:bodyPr wrap="square" rtlCol="0">
+            <a:spAutoFit/>
+          </a:bodyPr>
+          <a:lstStyle/>
+          <a:p>
+            <a:r>
+              <a:rPr lang="en-US" dirty="0"/>
+              <a:t>82.35%</a:t>
+            </a:r>
+          </a:p>
+        </p:txBody>
+      </p:sp>
+      <p:sp>
+        <p:nvSpPr>
+          <p:cNvPr id="32" name="TextBox 31">
+            <a:extLst>
+              <a:ext uri="{FF2B5EF4-FFF2-40B4-BE49-F238E27FC236}">
+                <a16:creationId xmlns:a16="http://schemas.microsoft.com/office/drawing/2014/main" id="{AF8330FD-A4C5-F146-87A1-08FE60EF14FB}"/>
+              </a:ext>
+            </a:extLst>
+          </p:cNvPr>
+          <p:cNvSpPr txBox="1"/>
+          <p:nvPr/>
+        </p:nvSpPr>
+        <p:spPr>
+          <a:xfrm>
+            <a:off x="7664842" y="4063897"/>
+            <a:ext cx="1066400" cy="369332"/>
+          </a:xfrm>
+          <a:prstGeom prst="rect">
+            <a:avLst/>
+          </a:prstGeom>
+          <a:noFill/>
+        </p:spPr>
+        <p:txBody>
+          <a:bodyPr wrap="square" rtlCol="0">
+            <a:spAutoFit/>
+          </a:bodyPr>
+          <a:lstStyle/>
+          <a:p>
+            <a:r>
+              <a:rPr lang="en-US" dirty="0"/>
+              <a:t>98%</a:t>
+            </a:r>
+          </a:p>
+        </p:txBody>
+      </p:sp>
+      <p:sp>
+        <p:nvSpPr>
+          <p:cNvPr id="33" name="TextBox 32">
+            <a:extLst>
+              <a:ext uri="{FF2B5EF4-FFF2-40B4-BE49-F238E27FC236}">
+                <a16:creationId xmlns:a16="http://schemas.microsoft.com/office/drawing/2014/main" id="{B49E80FA-68B6-F943-BE2F-468E4A345DD9}"/>
+              </a:ext>
+            </a:extLst>
+          </p:cNvPr>
+          <p:cNvSpPr txBox="1"/>
+          <p:nvPr/>
+        </p:nvSpPr>
+        <p:spPr>
+          <a:xfrm>
+            <a:off x="8770831" y="4059541"/>
+            <a:ext cx="1066400" cy="369332"/>
+          </a:xfrm>
+          <a:prstGeom prst="rect">
+            <a:avLst/>
+          </a:prstGeom>
+          <a:noFill/>
+        </p:spPr>
+        <p:txBody>
+          <a:bodyPr wrap="square" rtlCol="0">
+            <a:spAutoFit/>
+          </a:bodyPr>
+          <a:lstStyle/>
+          <a:p>
+            <a:r>
+              <a:rPr lang="en-US" dirty="0"/>
+              <a:t>100%</a:t>
+            </a:r>
+          </a:p>
+        </p:txBody>
+      </p:sp>
+      <p:sp>
+        <p:nvSpPr>
+          <p:cNvPr id="34" name="TextBox 33">
+            <a:extLst>
+              <a:ext uri="{FF2B5EF4-FFF2-40B4-BE49-F238E27FC236}">
+                <a16:creationId xmlns:a16="http://schemas.microsoft.com/office/drawing/2014/main" id="{E787EFD6-2E8B-724B-BCC5-BE535D21686C}"/>
+              </a:ext>
+            </a:extLst>
+          </p:cNvPr>
+          <p:cNvSpPr txBox="1"/>
+          <p:nvPr/>
+        </p:nvSpPr>
+        <p:spPr>
+          <a:xfrm>
+            <a:off x="9798442" y="4055185"/>
+            <a:ext cx="1066400" cy="369332"/>
+          </a:xfrm>
+          <a:prstGeom prst="rect">
+            <a:avLst/>
+          </a:prstGeom>
+          <a:noFill/>
+        </p:spPr>
+        <p:txBody>
+          <a:bodyPr wrap="square" rtlCol="0">
+            <a:spAutoFit/>
+          </a:bodyPr>
+          <a:lstStyle/>
+          <a:p>
+            <a:r>
+              <a:rPr lang="en-US" dirty="0"/>
+              <a:t>86.21%</a:t>
+            </a:r>
+          </a:p>
+        </p:txBody>
+      </p:sp>
+      <p:sp>
+        <p:nvSpPr>
+          <p:cNvPr id="35" name="TextBox 34">
+            <a:extLst>
+              <a:ext uri="{FF2B5EF4-FFF2-40B4-BE49-F238E27FC236}">
+                <a16:creationId xmlns:a16="http://schemas.microsoft.com/office/drawing/2014/main" id="{4C6763C1-EF13-FB4F-978D-0FF5714F344D}"/>
+              </a:ext>
+            </a:extLst>
+          </p:cNvPr>
+          <p:cNvSpPr txBox="1"/>
+          <p:nvPr/>
+        </p:nvSpPr>
+        <p:spPr>
+          <a:xfrm>
+            <a:off x="11061188" y="4050829"/>
+            <a:ext cx="1066400" cy="369332"/>
+          </a:xfrm>
+          <a:prstGeom prst="rect">
+            <a:avLst/>
+          </a:prstGeom>
+          <a:noFill/>
+        </p:spPr>
+        <p:txBody>
+          <a:bodyPr wrap="square" rtlCol="0">
+            <a:spAutoFit/>
+          </a:bodyPr>
+          <a:lstStyle/>
+          <a:p>
+            <a:r>
+              <a:rPr lang="en-US" dirty="0">
+                <a:solidFill>
+                  <a:srgbClr val="FF0000"/>
+                </a:solidFill>
+              </a:rPr>
+              <a:t>45%</a:t>
+            </a:r>
+          </a:p>
+        </p:txBody>
+      </p:sp>
+      <p:sp>
+        <p:nvSpPr>
+          <p:cNvPr id="36" name="TextBox 35">
+            <a:extLst>
+              <a:ext uri="{FF2B5EF4-FFF2-40B4-BE49-F238E27FC236}">
+                <a16:creationId xmlns:a16="http://schemas.microsoft.com/office/drawing/2014/main" id="{464D5D81-FC6B-8448-8E13-D168AC360AE5}"/>
+              </a:ext>
+            </a:extLst>
+          </p:cNvPr>
+          <p:cNvSpPr txBox="1"/>
+          <p:nvPr/>
+        </p:nvSpPr>
+        <p:spPr>
+          <a:xfrm>
+            <a:off x="6389034" y="6066876"/>
+            <a:ext cx="1066400" cy="369332"/>
+          </a:xfrm>
+          <a:prstGeom prst="rect">
+            <a:avLst/>
+          </a:prstGeom>
+          <a:noFill/>
+        </p:spPr>
+        <p:txBody>
+          <a:bodyPr wrap="square" rtlCol="0">
+            <a:spAutoFit/>
+          </a:bodyPr>
+          <a:lstStyle/>
+          <a:p>
+            <a:r>
+              <a:rPr lang="en-US" dirty="0"/>
+              <a:t>92.31%</a:t>
+            </a:r>
+          </a:p>
+        </p:txBody>
+      </p:sp>
+      <p:sp>
+        <p:nvSpPr>
+          <p:cNvPr id="37" name="TextBox 36">
+            <a:extLst>
+              <a:ext uri="{FF2B5EF4-FFF2-40B4-BE49-F238E27FC236}">
+                <a16:creationId xmlns:a16="http://schemas.microsoft.com/office/drawing/2014/main" id="{E96D5ABB-5C0C-304A-9BC3-EFE1C712E5C8}"/>
+              </a:ext>
+            </a:extLst>
+          </p:cNvPr>
+          <p:cNvSpPr txBox="1"/>
+          <p:nvPr/>
+        </p:nvSpPr>
+        <p:spPr>
+          <a:xfrm>
+            <a:off x="7625653" y="6075583"/>
+            <a:ext cx="1066400" cy="369332"/>
+          </a:xfrm>
+          <a:prstGeom prst="rect">
+            <a:avLst/>
+          </a:prstGeom>
+          <a:noFill/>
+        </p:spPr>
+        <p:txBody>
+          <a:bodyPr wrap="square" rtlCol="0">
+            <a:spAutoFit/>
+          </a:bodyPr>
+          <a:lstStyle/>
+          <a:p>
+            <a:r>
+              <a:rPr lang="en-US" dirty="0"/>
+              <a:t>94.12%</a:t>
+            </a:r>
+          </a:p>
+        </p:txBody>
+      </p:sp>
+      <p:sp>
+        <p:nvSpPr>
+          <p:cNvPr id="38" name="TextBox 37">
+            <a:extLst>
+              <a:ext uri="{FF2B5EF4-FFF2-40B4-BE49-F238E27FC236}">
+                <a16:creationId xmlns:a16="http://schemas.microsoft.com/office/drawing/2014/main" id="{E6363C9B-51FA-A548-BAAC-E7D25ACAC74A}"/>
+              </a:ext>
+            </a:extLst>
+          </p:cNvPr>
+          <p:cNvSpPr txBox="1"/>
+          <p:nvPr/>
+        </p:nvSpPr>
+        <p:spPr>
+          <a:xfrm>
+            <a:off x="8731642" y="6071227"/>
+            <a:ext cx="1066400" cy="369332"/>
+          </a:xfrm>
+          <a:prstGeom prst="rect">
+            <a:avLst/>
+          </a:prstGeom>
+          <a:noFill/>
+        </p:spPr>
+        <p:txBody>
+          <a:bodyPr wrap="square" rtlCol="0">
+            <a:spAutoFit/>
+          </a:bodyPr>
+          <a:lstStyle/>
+          <a:p>
+            <a:r>
+              <a:rPr lang="en-US" dirty="0">
+                <a:solidFill>
+                  <a:srgbClr val="FF0000"/>
+                </a:solidFill>
+              </a:rPr>
+              <a:t>76.67%</a:t>
+            </a:r>
+          </a:p>
+        </p:txBody>
+      </p:sp>
+      <p:sp>
+        <p:nvSpPr>
+          <p:cNvPr id="39" name="TextBox 38">
+            <a:extLst>
+              <a:ext uri="{FF2B5EF4-FFF2-40B4-BE49-F238E27FC236}">
+                <a16:creationId xmlns:a16="http://schemas.microsoft.com/office/drawing/2014/main" id="{DE7E9545-3506-2A4C-80A3-07F261EE743F}"/>
+              </a:ext>
+            </a:extLst>
+          </p:cNvPr>
+          <p:cNvSpPr txBox="1"/>
+          <p:nvPr/>
+        </p:nvSpPr>
+        <p:spPr>
+          <a:xfrm>
+            <a:off x="9759253" y="6066871"/>
+            <a:ext cx="1066400" cy="369332"/>
+          </a:xfrm>
+          <a:prstGeom prst="rect">
+            <a:avLst/>
+          </a:prstGeom>
+          <a:noFill/>
+        </p:spPr>
+        <p:txBody>
+          <a:bodyPr wrap="square" rtlCol="0">
+            <a:spAutoFit/>
+          </a:bodyPr>
+          <a:lstStyle/>
+          <a:p>
+            <a:r>
+              <a:rPr lang="en-US" dirty="0"/>
+              <a:t>96.15%</a:t>
+            </a:r>
+          </a:p>
+        </p:txBody>
+      </p:sp>
+      <p:sp>
+        <p:nvSpPr>
+          <p:cNvPr id="40" name="TextBox 39">
+            <a:extLst>
+              <a:ext uri="{FF2B5EF4-FFF2-40B4-BE49-F238E27FC236}">
+                <a16:creationId xmlns:a16="http://schemas.microsoft.com/office/drawing/2014/main" id="{8211AD9A-11B4-1141-B7F6-B25BC7B54DFC}"/>
+              </a:ext>
+            </a:extLst>
+          </p:cNvPr>
+          <p:cNvSpPr txBox="1"/>
+          <p:nvPr/>
+        </p:nvSpPr>
+        <p:spPr>
+          <a:xfrm>
+            <a:off x="11021999" y="6062515"/>
+            <a:ext cx="1066400" cy="369332"/>
+          </a:xfrm>
+          <a:prstGeom prst="rect">
+            <a:avLst/>
+          </a:prstGeom>
+          <a:noFill/>
+        </p:spPr>
+        <p:txBody>
+          <a:bodyPr wrap="square" rtlCol="0">
+            <a:spAutoFit/>
+          </a:bodyPr>
+          <a:lstStyle/>
+          <a:p>
+            <a:r>
+              <a:rPr lang="en-US" dirty="0"/>
+              <a:t>85%</a:t>
+            </a:r>
+          </a:p>
+        </p:txBody>
+      </p:sp>
+      <p:pic>
+        <p:nvPicPr>
+          <p:cNvPr id="13" name="Picture 12" descr="A picture containing table, man, display&#10;&#10;Description automatically generated">
+            <a:extLst>
+              <a:ext uri="{FF2B5EF4-FFF2-40B4-BE49-F238E27FC236}">
+                <a16:creationId xmlns:a16="http://schemas.microsoft.com/office/drawing/2014/main" id="{4730B79D-3AC0-7A43-B5BD-C105C795ED05}"/>
+              </a:ext>
+            </a:extLst>
+          </p:cNvPr>
+          <p:cNvPicPr>
+            <a:picLocks noChangeAspect="1"/>
+          </p:cNvPicPr>
+          <p:nvPr/>
+        </p:nvPicPr>
+        <p:blipFill>
+          <a:blip r:embed="rId3"/>
           <a:stretch>
             <a:fillRect/>
           </a:stretch>
@@ -8814,6 +9967,58 @@
           </a:prstGeom>
         </p:spPr>
       </p:pic>
+      <p:sp>
+        <p:nvSpPr>
+          <p:cNvPr id="3" name="TextBox 2">
+            <a:extLst>
+              <a:ext uri="{FF2B5EF4-FFF2-40B4-BE49-F238E27FC236}">
+                <a16:creationId xmlns:a16="http://schemas.microsoft.com/office/drawing/2014/main" id="{1E5B2F8A-97B2-2143-83F9-2E209862B218}"/>
+              </a:ext>
+            </a:extLst>
+          </p:cNvPr>
+          <p:cNvSpPr txBox="1"/>
+          <p:nvPr/>
+        </p:nvSpPr>
+        <p:spPr>
+          <a:xfrm>
+            <a:off x="6301051" y="178676"/>
+            <a:ext cx="3084687" cy="378372"/>
+          </a:xfrm>
+          <a:prstGeom prst="rect">
+            <a:avLst/>
+          </a:prstGeom>
+          <a:noFill/>
+        </p:spPr>
+        <p:txBody>
+          <a:bodyPr wrap="square" rtlCol="0">
+            <a:spAutoFit/>
+          </a:bodyPr>
+          <a:lstStyle/>
+          <a:p>
+            <a:pPr marL="285750" indent="-285750">
+              <a:buFont typeface="Arial" panose="020B0604020202020204" pitchFamily="34" charset="0"/>
+              <a:buChar char="•"/>
+            </a:pPr>
+            <a:r>
+              <a:rPr lang="en-US" dirty="0"/>
+              <a:t>P</a:t>
+            </a:r>
+            <a:r>
+              <a:rPr lang="en-US" altLang="zh-CN" dirty="0"/>
+              <a:t>ositive</a:t>
+            </a:r>
+            <a:r>
+              <a:rPr lang="zh-CN" altLang="en-US" dirty="0"/>
+              <a:t> </a:t>
+            </a:r>
+            <a:r>
+              <a:rPr lang="en-US" altLang="zh-CN" dirty="0"/>
+              <a:t>percentage</a:t>
+            </a:r>
+            <a:endParaRPr lang="en-US" dirty="0"/>
+          </a:p>
+        </p:txBody>
+      </p:sp>
       <p:sp>
         <p:nvSpPr>
           <p:cNvPr id="14" name="Rectangle 13">
@@ -8868,42 +10073,6 @@
       </p:sp>
       <p:sp>
         <p:nvSpPr>
-          <p:cNvPr id="15" name="TextBox 14">
-            <a:extLst>
-              <a:ext uri="{FF2B5EF4-FFF2-40B4-BE49-F238E27FC236}">
-                <a16:creationId xmlns:a16="http://schemas.microsoft.com/office/drawing/2014/main" id="{0051B802-95B6-A04D-82A8-B9A92D3D52A5}"/>
-              </a:ext>
-            </a:extLst>
-          </p:cNvPr>
-          <p:cNvSpPr txBox="1"/>
-          <p:nvPr/>
-        </p:nvSpPr>
-        <p:spPr>
-          <a:xfrm>
-            <a:off x="138662" y="5701865"/>
-            <a:ext cx="1755228" cy="646331"/>
-          </a:xfrm>
-          <a:prstGeom prst="rect">
-            <a:avLst/>
-          </a:prstGeom>
-          <a:noFill/>
-        </p:spPr>
-        <p:txBody>
-          <a:bodyPr wrap="square" rtlCol="0">
-            <a:spAutoFit/>
-          </a:bodyPr>
-          <a:lstStyle/>
-          <a:p>
-            <a:pPr algn="ctr"/>
-            <a:r>
-              <a:rPr lang="en-US" dirty="0"/>
-              <a:t>bmrk3 pain/warm</a:t>
-            </a:r>
-          </a:p>
-        </p:txBody>
-      </p:sp>
-      <p:sp>
-        <p:nvSpPr>
           <p:cNvPr id="16" name="Rectangle 15">
             <a:extLst>
               <a:ext uri="{FF2B5EF4-FFF2-40B4-BE49-F238E27FC236}">
@@ -8954,613 +10123,6 @@
           </a:p>
         </p:txBody>
       </p:sp>
-      <p:sp>
-        <p:nvSpPr>
-          <p:cNvPr id="17" name="TextBox 16">
-            <a:extLst>
-              <a:ext uri="{FF2B5EF4-FFF2-40B4-BE49-F238E27FC236}">
-                <a16:creationId xmlns:a16="http://schemas.microsoft.com/office/drawing/2014/main" id="{89276543-2AAD-0340-AF02-022C38605CA6}"/>
-              </a:ext>
-            </a:extLst>
-          </p:cNvPr>
-          <p:cNvSpPr txBox="1"/>
-          <p:nvPr/>
-        </p:nvSpPr>
-        <p:spPr>
-          <a:xfrm>
-            <a:off x="1352604" y="5707120"/>
-            <a:ext cx="1755228" cy="646331"/>
-          </a:xfrm>
-          <a:prstGeom prst="rect">
-            <a:avLst/>
-          </a:prstGeom>
-          <a:noFill/>
-        </p:spPr>
-        <p:txBody>
-          <a:bodyPr wrap="square" rtlCol="0">
-            <a:spAutoFit/>
-          </a:bodyPr>
-          <a:lstStyle/>
-          <a:p>
-            <a:pPr algn="ctr"/>
-            <a:r>
-              <a:rPr lang="en-US" dirty="0"/>
-              <a:t>bmrk5 pain/sound</a:t>
-            </a:r>
-          </a:p>
-        </p:txBody>
-      </p:sp>
-      <p:pic>
-        <p:nvPicPr>
-          <p:cNvPr id="25" name="Picture 24" descr="A close up of a map&#10;&#10;Description automatically generated">
-            <a:extLst>
-              <a:ext uri="{FF2B5EF4-FFF2-40B4-BE49-F238E27FC236}">
-                <a16:creationId xmlns:a16="http://schemas.microsoft.com/office/drawing/2014/main" id="{B8A6F91F-8F2D-244E-A57A-2E3A18400EFB}"/>
-              </a:ext>
-            </a:extLst>
-          </p:cNvPr>
-          <p:cNvPicPr>
-            <a:picLocks noChangeAspect="1"/>
-          </p:cNvPicPr>
-          <p:nvPr/>
-        </p:nvPicPr>
-        <p:blipFill>
-          <a:blip r:embed="rId3"/>
-          <a:stretch>
-            <a:fillRect/>
-          </a:stretch>
-        </p:blipFill>
-        <p:spPr>
-          <a:xfrm>
-            <a:off x="5374412" y="0"/>
-            <a:ext cx="6858000" cy="6858000"/>
-          </a:xfrm>
-          <a:prstGeom prst="rect">
-            <a:avLst/>
-          </a:prstGeom>
-        </p:spPr>
-      </p:pic>
-      <p:sp>
-        <p:nvSpPr>
-          <p:cNvPr id="26" name="TextBox 25">
-            <a:extLst>
-              <a:ext uri="{FF2B5EF4-FFF2-40B4-BE49-F238E27FC236}">
-                <a16:creationId xmlns:a16="http://schemas.microsoft.com/office/drawing/2014/main" id="{5C8C494E-1ABA-7F49-B5AC-2CDB1EDAD26E}"/>
-              </a:ext>
-            </a:extLst>
-          </p:cNvPr>
-          <p:cNvSpPr txBox="1"/>
-          <p:nvPr/>
-        </p:nvSpPr>
-        <p:spPr>
-          <a:xfrm>
-            <a:off x="6235736" y="1593666"/>
-            <a:ext cx="1066400" cy="369332"/>
-          </a:xfrm>
-          <a:prstGeom prst="rect">
-            <a:avLst/>
-          </a:prstGeom>
-          <a:noFill/>
-        </p:spPr>
-        <p:txBody>
-          <a:bodyPr wrap="square" rtlCol="0">
-            <a:spAutoFit/>
-          </a:bodyPr>
-          <a:lstStyle/>
-          <a:p>
-            <a:r>
-              <a:rPr lang="en-US" dirty="0"/>
-              <a:t>87.88%</a:t>
-            </a:r>
-          </a:p>
-        </p:txBody>
-      </p:sp>
-      <p:sp>
-        <p:nvSpPr>
-          <p:cNvPr id="27" name="TextBox 26">
-            <a:extLst>
-              <a:ext uri="{FF2B5EF4-FFF2-40B4-BE49-F238E27FC236}">
-                <a16:creationId xmlns:a16="http://schemas.microsoft.com/office/drawing/2014/main" id="{540F4FBB-B8FB-5A48-92CE-CB6BB98FE83E}"/>
-              </a:ext>
-            </a:extLst>
-          </p:cNvPr>
-          <p:cNvSpPr txBox="1"/>
-          <p:nvPr/>
-        </p:nvSpPr>
-        <p:spPr>
-          <a:xfrm>
-            <a:off x="7472355" y="1602373"/>
-            <a:ext cx="1066400" cy="369332"/>
-          </a:xfrm>
-          <a:prstGeom prst="rect">
-            <a:avLst/>
-          </a:prstGeom>
-          <a:noFill/>
-        </p:spPr>
-        <p:txBody>
-          <a:bodyPr wrap="square" rtlCol="0">
-            <a:spAutoFit/>
-          </a:bodyPr>
-          <a:lstStyle/>
-          <a:p>
-            <a:r>
-              <a:rPr lang="en-US" dirty="0">
-                <a:solidFill>
-                  <a:srgbClr val="FF0000"/>
-                </a:solidFill>
-              </a:rPr>
-              <a:t>50%</a:t>
-            </a:r>
-          </a:p>
-        </p:txBody>
-      </p:sp>
-      <p:sp>
-        <p:nvSpPr>
-          <p:cNvPr id="28" name="TextBox 27">
-            <a:extLst>
-              <a:ext uri="{FF2B5EF4-FFF2-40B4-BE49-F238E27FC236}">
-                <a16:creationId xmlns:a16="http://schemas.microsoft.com/office/drawing/2014/main" id="{419203FC-151D-1A4A-A37A-E4D304DF6D57}"/>
-              </a:ext>
-            </a:extLst>
-          </p:cNvPr>
-          <p:cNvSpPr txBox="1"/>
-          <p:nvPr/>
-        </p:nvSpPr>
-        <p:spPr>
-          <a:xfrm>
-            <a:off x="8578344" y="1598017"/>
-            <a:ext cx="1066400" cy="369332"/>
-          </a:xfrm>
-          <a:prstGeom prst="rect">
-            <a:avLst/>
-          </a:prstGeom>
-          <a:noFill/>
-        </p:spPr>
-        <p:txBody>
-          <a:bodyPr wrap="square" rtlCol="0">
-            <a:spAutoFit/>
-          </a:bodyPr>
-          <a:lstStyle/>
-          <a:p>
-            <a:r>
-              <a:rPr lang="en-US" dirty="0"/>
-              <a:t>100%</a:t>
-            </a:r>
-          </a:p>
-        </p:txBody>
-      </p:sp>
-      <p:sp>
-        <p:nvSpPr>
-          <p:cNvPr id="29" name="TextBox 28">
-            <a:extLst>
-              <a:ext uri="{FF2B5EF4-FFF2-40B4-BE49-F238E27FC236}">
-                <a16:creationId xmlns:a16="http://schemas.microsoft.com/office/drawing/2014/main" id="{36E73A0F-0902-674B-ACBE-39A56805E868}"/>
-              </a:ext>
-            </a:extLst>
-          </p:cNvPr>
-          <p:cNvSpPr txBox="1"/>
-          <p:nvPr/>
-        </p:nvSpPr>
-        <p:spPr>
-          <a:xfrm>
-            <a:off x="9605955" y="1593661"/>
-            <a:ext cx="1066400" cy="369332"/>
-          </a:xfrm>
-          <a:prstGeom prst="rect">
-            <a:avLst/>
-          </a:prstGeom>
-          <a:noFill/>
-        </p:spPr>
-        <p:txBody>
-          <a:bodyPr wrap="square" rtlCol="0">
-            <a:spAutoFit/>
-          </a:bodyPr>
-          <a:lstStyle/>
-          <a:p>
-            <a:r>
-              <a:rPr lang="en-US" dirty="0"/>
-              <a:t>95.70%</a:t>
-            </a:r>
-          </a:p>
-        </p:txBody>
-      </p:sp>
-      <p:sp>
-        <p:nvSpPr>
-          <p:cNvPr id="30" name="TextBox 29">
-            <a:extLst>
-              <a:ext uri="{FF2B5EF4-FFF2-40B4-BE49-F238E27FC236}">
-                <a16:creationId xmlns:a16="http://schemas.microsoft.com/office/drawing/2014/main" id="{DC28CE13-B5ED-704A-8AC6-14D5C031EE05}"/>
-              </a:ext>
-            </a:extLst>
-          </p:cNvPr>
-          <p:cNvSpPr txBox="1"/>
-          <p:nvPr/>
-        </p:nvSpPr>
-        <p:spPr>
-          <a:xfrm>
-            <a:off x="10698882" y="1589305"/>
-            <a:ext cx="1066400" cy="369332"/>
-          </a:xfrm>
-          <a:prstGeom prst="rect">
-            <a:avLst/>
-          </a:prstGeom>
-          <a:noFill/>
-        </p:spPr>
-        <p:txBody>
-          <a:bodyPr wrap="square" rtlCol="0">
-            <a:spAutoFit/>
-          </a:bodyPr>
-          <a:lstStyle/>
-          <a:p>
-            <a:r>
-              <a:rPr lang="en-US" dirty="0">
-                <a:solidFill>
-                  <a:srgbClr val="FF0000"/>
-                </a:solidFill>
-              </a:rPr>
-              <a:t>68.82%</a:t>
-            </a:r>
-          </a:p>
-        </p:txBody>
-      </p:sp>
-      <p:sp>
-        <p:nvSpPr>
-          <p:cNvPr id="31" name="TextBox 30">
-            <a:extLst>
-              <a:ext uri="{FF2B5EF4-FFF2-40B4-BE49-F238E27FC236}">
-                <a16:creationId xmlns:a16="http://schemas.microsoft.com/office/drawing/2014/main" id="{0954A5CF-644F-AD48-9DE3-CDE20F5BF347}"/>
-              </a:ext>
-            </a:extLst>
-          </p:cNvPr>
-          <p:cNvSpPr txBox="1"/>
-          <p:nvPr/>
-        </p:nvSpPr>
-        <p:spPr>
-          <a:xfrm>
-            <a:off x="6270569" y="3666309"/>
-            <a:ext cx="1066400" cy="369332"/>
-          </a:xfrm>
-          <a:prstGeom prst="rect">
-            <a:avLst/>
-          </a:prstGeom>
-          <a:noFill/>
-        </p:spPr>
-        <p:txBody>
-          <a:bodyPr wrap="square" rtlCol="0">
-            <a:spAutoFit/>
-          </a:bodyPr>
-          <a:lstStyle/>
-          <a:p>
-            <a:r>
-              <a:rPr lang="en-US" dirty="0"/>
-              <a:t>82.35%</a:t>
-            </a:r>
-          </a:p>
-        </p:txBody>
-      </p:sp>
-      <p:sp>
-        <p:nvSpPr>
-          <p:cNvPr id="32" name="TextBox 31">
-            <a:extLst>
-              <a:ext uri="{FF2B5EF4-FFF2-40B4-BE49-F238E27FC236}">
-                <a16:creationId xmlns:a16="http://schemas.microsoft.com/office/drawing/2014/main" id="{AF8330FD-A4C5-F146-87A1-08FE60EF14FB}"/>
-              </a:ext>
-            </a:extLst>
-          </p:cNvPr>
-          <p:cNvSpPr txBox="1"/>
-          <p:nvPr/>
-        </p:nvSpPr>
-        <p:spPr>
-          <a:xfrm>
-            <a:off x="7507188" y="3675016"/>
-            <a:ext cx="1066400" cy="369332"/>
-          </a:xfrm>
-          <a:prstGeom prst="rect">
-            <a:avLst/>
-          </a:prstGeom>
-          <a:noFill/>
-        </p:spPr>
-        <p:txBody>
-          <a:bodyPr wrap="square" rtlCol="0">
-            <a:spAutoFit/>
-          </a:bodyPr>
-          <a:lstStyle/>
-          <a:p>
-            <a:r>
-              <a:rPr lang="en-US" dirty="0"/>
-              <a:t>98%</a:t>
-            </a:r>
-          </a:p>
-        </p:txBody>
-      </p:sp>
-      <p:sp>
-        <p:nvSpPr>
-          <p:cNvPr id="33" name="TextBox 32">
-            <a:extLst>
-              <a:ext uri="{FF2B5EF4-FFF2-40B4-BE49-F238E27FC236}">
-                <a16:creationId xmlns:a16="http://schemas.microsoft.com/office/drawing/2014/main" id="{B49E80FA-68B6-F943-BE2F-468E4A345DD9}"/>
-              </a:ext>
-            </a:extLst>
-          </p:cNvPr>
-          <p:cNvSpPr txBox="1"/>
-          <p:nvPr/>
-        </p:nvSpPr>
-        <p:spPr>
-          <a:xfrm>
-            <a:off x="8613177" y="3670660"/>
-            <a:ext cx="1066400" cy="369332"/>
-          </a:xfrm>
-          <a:prstGeom prst="rect">
-            <a:avLst/>
-          </a:prstGeom>
-          <a:noFill/>
-        </p:spPr>
-        <p:txBody>
-          <a:bodyPr wrap="square" rtlCol="0">
-            <a:spAutoFit/>
-          </a:bodyPr>
-          <a:lstStyle/>
-          <a:p>
-            <a:r>
-              <a:rPr lang="en-US" dirty="0"/>
-              <a:t>100%</a:t>
-            </a:r>
-          </a:p>
-        </p:txBody>
-      </p:sp>
-      <p:sp>
-        <p:nvSpPr>
-          <p:cNvPr id="34" name="TextBox 33">
-            <a:extLst>
-              <a:ext uri="{FF2B5EF4-FFF2-40B4-BE49-F238E27FC236}">
-                <a16:creationId xmlns:a16="http://schemas.microsoft.com/office/drawing/2014/main" id="{E787EFD6-2E8B-724B-BCC5-BE535D21686C}"/>
-              </a:ext>
-            </a:extLst>
-          </p:cNvPr>
-          <p:cNvSpPr txBox="1"/>
-          <p:nvPr/>
-        </p:nvSpPr>
-        <p:spPr>
-          <a:xfrm>
-            <a:off x="9640788" y="3666304"/>
-            <a:ext cx="1066400" cy="369332"/>
-          </a:xfrm>
-          <a:prstGeom prst="rect">
-            <a:avLst/>
-          </a:prstGeom>
-          <a:noFill/>
-        </p:spPr>
-        <p:txBody>
-          <a:bodyPr wrap="square" rtlCol="0">
-            <a:spAutoFit/>
-          </a:bodyPr>
-          <a:lstStyle/>
-          <a:p>
-            <a:r>
-              <a:rPr lang="en-US" dirty="0"/>
-              <a:t>86.21%</a:t>
-            </a:r>
-          </a:p>
-        </p:txBody>
-      </p:sp>
-      <p:sp>
-        <p:nvSpPr>
-          <p:cNvPr id="35" name="TextBox 34">
-            <a:extLst>
-              <a:ext uri="{FF2B5EF4-FFF2-40B4-BE49-F238E27FC236}">
-                <a16:creationId xmlns:a16="http://schemas.microsoft.com/office/drawing/2014/main" id="{4C6763C1-EF13-FB4F-978D-0FF5714F344D}"/>
-              </a:ext>
-            </a:extLst>
-          </p:cNvPr>
-          <p:cNvSpPr txBox="1"/>
-          <p:nvPr/>
-        </p:nvSpPr>
-        <p:spPr>
-          <a:xfrm>
-            <a:off x="10903534" y="3661948"/>
-            <a:ext cx="1066400" cy="369332"/>
-          </a:xfrm>
-          <a:prstGeom prst="rect">
-            <a:avLst/>
-          </a:prstGeom>
-          <a:noFill/>
-        </p:spPr>
-        <p:txBody>
-          <a:bodyPr wrap="square" rtlCol="0">
-            <a:spAutoFit/>
-          </a:bodyPr>
-          <a:lstStyle/>
-          <a:p>
-            <a:r>
-              <a:rPr lang="en-US" dirty="0">
-                <a:solidFill>
-                  <a:srgbClr val="FF0000"/>
-                </a:solidFill>
-              </a:rPr>
-              <a:t>45%</a:t>
-            </a:r>
-          </a:p>
-        </p:txBody>
-      </p:sp>
-      <p:sp>
-        <p:nvSpPr>
-          <p:cNvPr id="36" name="TextBox 35">
-            <a:extLst>
-              <a:ext uri="{FF2B5EF4-FFF2-40B4-BE49-F238E27FC236}">
-                <a16:creationId xmlns:a16="http://schemas.microsoft.com/office/drawing/2014/main" id="{464D5D81-FC6B-8448-8E13-D168AC360AE5}"/>
-              </a:ext>
-            </a:extLst>
-          </p:cNvPr>
-          <p:cNvSpPr txBox="1"/>
-          <p:nvPr/>
-        </p:nvSpPr>
-        <p:spPr>
-          <a:xfrm>
-            <a:off x="6231380" y="5677995"/>
-            <a:ext cx="1066400" cy="369332"/>
-          </a:xfrm>
-          <a:prstGeom prst="rect">
-            <a:avLst/>
-          </a:prstGeom>
-          <a:noFill/>
-        </p:spPr>
-        <p:txBody>
-          <a:bodyPr wrap="square" rtlCol="0">
-            <a:spAutoFit/>
-          </a:bodyPr>
-          <a:lstStyle/>
-          <a:p>
-            <a:r>
-              <a:rPr lang="en-US" dirty="0"/>
-              <a:t>92.31%</a:t>
-            </a:r>
-          </a:p>
-        </p:txBody>
-      </p:sp>
-      <p:sp>
-        <p:nvSpPr>
-          <p:cNvPr id="37" name="TextBox 36">
-            <a:extLst>
-              <a:ext uri="{FF2B5EF4-FFF2-40B4-BE49-F238E27FC236}">
-                <a16:creationId xmlns:a16="http://schemas.microsoft.com/office/drawing/2014/main" id="{E96D5ABB-5C0C-304A-9BC3-EFE1C712E5C8}"/>
-              </a:ext>
-            </a:extLst>
-          </p:cNvPr>
-          <p:cNvSpPr txBox="1"/>
-          <p:nvPr/>
-        </p:nvSpPr>
-        <p:spPr>
-          <a:xfrm>
-            <a:off x="7467999" y="5686702"/>
-            <a:ext cx="1066400" cy="369332"/>
-          </a:xfrm>
-          <a:prstGeom prst="rect">
-            <a:avLst/>
-          </a:prstGeom>
-          <a:noFill/>
-        </p:spPr>
-        <p:txBody>
-          <a:bodyPr wrap="square" rtlCol="0">
-            <a:spAutoFit/>
-          </a:bodyPr>
-          <a:lstStyle/>
-          <a:p>
-            <a:r>
-              <a:rPr lang="en-US" dirty="0"/>
-              <a:t>94.12%</a:t>
-            </a:r>
-          </a:p>
-        </p:txBody>
-      </p:sp>
-      <p:sp>
-        <p:nvSpPr>
-          <p:cNvPr id="38" name="TextBox 37">
-            <a:extLst>
-              <a:ext uri="{FF2B5EF4-FFF2-40B4-BE49-F238E27FC236}">
-                <a16:creationId xmlns:a16="http://schemas.microsoft.com/office/drawing/2014/main" id="{E6363C9B-51FA-A548-BAAC-E7D25ACAC74A}"/>
-              </a:ext>
-            </a:extLst>
-          </p:cNvPr>
-          <p:cNvSpPr txBox="1"/>
-          <p:nvPr/>
-        </p:nvSpPr>
-        <p:spPr>
-          <a:xfrm>
-            <a:off x="8573988" y="5682346"/>
-            <a:ext cx="1066400" cy="369332"/>
-          </a:xfrm>
-          <a:prstGeom prst="rect">
-            <a:avLst/>
-          </a:prstGeom>
-          <a:noFill/>
-        </p:spPr>
-        <p:txBody>
-          <a:bodyPr wrap="square" rtlCol="0">
-            <a:spAutoFit/>
-          </a:bodyPr>
-          <a:lstStyle/>
-          <a:p>
-            <a:r>
-              <a:rPr lang="en-US" dirty="0">
-                <a:solidFill>
-                  <a:srgbClr val="FF0000"/>
-                </a:solidFill>
-              </a:rPr>
-              <a:t>76.67%</a:t>
-            </a:r>
-          </a:p>
-        </p:txBody>
-      </p:sp>
-      <p:sp>
-        <p:nvSpPr>
-          <p:cNvPr id="39" name="TextBox 38">
-            <a:extLst>
-              <a:ext uri="{FF2B5EF4-FFF2-40B4-BE49-F238E27FC236}">
-                <a16:creationId xmlns:a16="http://schemas.microsoft.com/office/drawing/2014/main" id="{DE7E9545-3506-2A4C-80A3-07F261EE743F}"/>
-              </a:ext>
-            </a:extLst>
-          </p:cNvPr>
-          <p:cNvSpPr txBox="1"/>
-          <p:nvPr/>
-        </p:nvSpPr>
-        <p:spPr>
-          <a:xfrm>
-            <a:off x="9601599" y="5677990"/>
-            <a:ext cx="1066400" cy="369332"/>
-          </a:xfrm>
-          <a:prstGeom prst="rect">
-            <a:avLst/>
-          </a:prstGeom>
-          <a:noFill/>
-        </p:spPr>
-        <p:txBody>
-          <a:bodyPr wrap="square" rtlCol="0">
-            <a:spAutoFit/>
-          </a:bodyPr>
-          <a:lstStyle/>
-          <a:p>
-            <a:r>
-              <a:rPr lang="en-US" dirty="0"/>
-              <a:t>96.15%</a:t>
-            </a:r>
-          </a:p>
-        </p:txBody>
-      </p:sp>
-      <p:sp>
-        <p:nvSpPr>
-          <p:cNvPr id="40" name="TextBox 39">
-            <a:extLst>
-              <a:ext uri="{FF2B5EF4-FFF2-40B4-BE49-F238E27FC236}">
-                <a16:creationId xmlns:a16="http://schemas.microsoft.com/office/drawing/2014/main" id="{8211AD9A-11B4-1141-B7F6-B25BC7B54DFC}"/>
-              </a:ext>
-            </a:extLst>
-          </p:cNvPr>
-          <p:cNvSpPr txBox="1"/>
-          <p:nvPr/>
-        </p:nvSpPr>
-        <p:spPr>
-          <a:xfrm>
-            <a:off x="10864345" y="5673634"/>
-            <a:ext cx="1066400" cy="369332"/>
-          </a:xfrm>
-          <a:prstGeom prst="rect">
-            <a:avLst/>
-          </a:prstGeom>
-          <a:noFill/>
-        </p:spPr>
-        <p:txBody>
-          <a:bodyPr wrap="square" rtlCol="0">
-            <a:spAutoFit/>
-          </a:bodyPr>
-          <a:lstStyle/>
-          <a:p>
-            <a:r>
-              <a:rPr lang="en-US" dirty="0"/>
-              <a:t>85%</a:t>
-            </a:r>
-          </a:p>
-        </p:txBody>
-      </p:sp>
     </p:spTree>
     <p:extLst>
       <p:ext uri="{BB962C8B-B14F-4D97-AF65-F5344CB8AC3E}">
@@ -9596,7 +10158,7 @@
           <p:cNvPr id="2" name="Title 1">
             <a:extLst>
               <a:ext uri="{FF2B5EF4-FFF2-40B4-BE49-F238E27FC236}">
-                <a16:creationId xmlns:a16="http://schemas.microsoft.com/office/drawing/2014/main" id="{7ECD888C-8676-DD48-9D9B-B148C9913BF5}"/>
+                <a16:creationId xmlns:a16="http://schemas.microsoft.com/office/drawing/2014/main" id="{B1CA8BCE-ABA0-B144-9CE4-5FF7E62A9E01}"/>
               </a:ext>
             </a:extLst>
           </p:cNvPr>
@@ -9609,7 +10171,7 @@
         </p:nvSpPr>
         <p:spPr>
           <a:xfrm>
-            <a:off x="-2630" y="-360086"/>
+            <a:off x="-76207" y="-391625"/>
             <a:ext cx="10515600" cy="1325563"/>
           </a:xfrm>
         </p:spPr>
@@ -9618,18 +10180,51 @@
           <a:lstStyle/>
           <a:p>
             <a:r>
-              <a:rPr lang="en-US" dirty="0"/>
-              <a:t>NPS correlation with Pain vs. Temp</a:t>
-            </a:r>
+              <a:rPr lang="en-US" altLang="zh-CN" dirty="0"/>
+              <a:t>Effect</a:t>
+            </a:r>
+            <a:r>
+              <a:rPr lang="zh-CN" altLang="en-US" dirty="0"/>
+              <a:t> </a:t>
+            </a:r>
+            <a:r>
+              <a:rPr lang="en-US" altLang="zh-CN" dirty="0"/>
+              <a:t>size</a:t>
+            </a:r>
+            <a:r>
+              <a:rPr lang="zh-CN" altLang="en-US" dirty="0"/>
+              <a:t> </a:t>
+            </a:r>
+            <a:r>
+              <a:rPr lang="en-US" altLang="zh-CN" dirty="0"/>
+              <a:t>by</a:t>
+            </a:r>
+            <a:r>
+              <a:rPr lang="zh-CN" altLang="en-US" dirty="0"/>
+              <a:t> </a:t>
+            </a:r>
+            <a:r>
+              <a:rPr lang="en-US" altLang="zh-CN" dirty="0"/>
+              <a:t>study</a:t>
+            </a:r>
+            <a:r>
+              <a:rPr lang="zh-CN" altLang="en-US" dirty="0"/>
+              <a:t> </a:t>
+            </a:r>
+            <a:r>
+              <a:rPr lang="en-US" altLang="zh-CN" dirty="0"/>
+              <a:t>NPS</a:t>
+            </a:r>
+            <a:endParaRPr lang="en-US" dirty="0"/>
           </a:p>
         </p:txBody>
       </p:sp>
       <p:pic>
         <p:nvPicPr>
-          <p:cNvPr id="5" name="Picture 4" descr="A picture containing different, table, man, group&#10;&#10;Description automatically generated">
-            <a:extLst>
-              <a:ext uri="{FF2B5EF4-FFF2-40B4-BE49-F238E27FC236}">
-                <a16:creationId xmlns:a16="http://schemas.microsoft.com/office/drawing/2014/main" id="{12135896-FBCE-D049-B82B-59A7D9A536AD}"/>
+          <p:cNvPr id="5" name="Picture 4" descr="A picture containing drawing&#10;&#10;Description automatically generated">
+            <a:extLst>
+              <a:ext uri="{FF2B5EF4-FFF2-40B4-BE49-F238E27FC236}">
+                <a16:creationId xmlns:a16="http://schemas.microsoft.com/office/drawing/2014/main" id="{05ED01C1-CB30-4140-A9EE-D7A1D72165B4}"/>
               </a:ext>
             </a:extLst>
           </p:cNvPr>
@@ -9646,78 +10241,122 @@
         </p:blipFill>
         <p:spPr>
           <a:xfrm>
-            <a:off x="-2630" y="620389"/>
-            <a:ext cx="4221126" cy="3165845"/>
+            <a:off x="0" y="762000"/>
+            <a:ext cx="12192000" cy="6096000"/>
           </a:xfrm>
           <a:prstGeom prst="rect">
             <a:avLst/>
           </a:prstGeom>
         </p:spPr>
       </p:pic>
-      <p:pic>
-        <p:nvPicPr>
-          <p:cNvPr id="7" name="Picture 6" descr="A picture containing group&#10;&#10;Description automatically generated">
-            <a:extLst>
-              <a:ext uri="{FF2B5EF4-FFF2-40B4-BE49-F238E27FC236}">
-                <a16:creationId xmlns:a16="http://schemas.microsoft.com/office/drawing/2014/main" id="{3693D1BD-3DAB-4740-85BD-2D29F1F56C4A}"/>
-              </a:ext>
-            </a:extLst>
-          </p:cNvPr>
-          <p:cNvPicPr>
-            <a:picLocks noChangeAspect="1"/>
-          </p:cNvPicPr>
+      <p:sp>
+        <p:nvSpPr>
+          <p:cNvPr id="6" name="Rectangle 5">
+            <a:extLst>
+              <a:ext uri="{FF2B5EF4-FFF2-40B4-BE49-F238E27FC236}">
+                <a16:creationId xmlns:a16="http://schemas.microsoft.com/office/drawing/2014/main" id="{929D4394-F2C0-BF45-81EC-A375B163FE8E}"/>
+              </a:ext>
+            </a:extLst>
+          </p:cNvPr>
+          <p:cNvSpPr/>
           <p:nvPr/>
-        </p:nvPicPr>
-        <p:blipFill>
-          <a:blip r:embed="rId3"/>
-          <a:stretch>
-            <a:fillRect/>
-          </a:stretch>
-        </p:blipFill>
+        </p:nvSpPr>
         <p:spPr>
           <a:xfrm>
-            <a:off x="0" y="3429000"/>
-            <a:ext cx="4221126" cy="3165845"/>
+            <a:off x="1507041" y="2328047"/>
+            <a:ext cx="586552" cy="4198883"/>
           </a:xfrm>
           <a:prstGeom prst="rect">
             <a:avLst/>
           </a:prstGeom>
+          <a:noFill/>
+          <a:ln>
+            <a:solidFill>
+              <a:srgbClr val="FF0000"/>
+            </a:solidFill>
+          </a:ln>
         </p:spPr>
-      </p:pic>
-      <p:pic>
-        <p:nvPicPr>
-          <p:cNvPr id="9" name="Picture 8">
-            <a:extLst>
-              <a:ext uri="{FF2B5EF4-FFF2-40B4-BE49-F238E27FC236}">
-                <a16:creationId xmlns:a16="http://schemas.microsoft.com/office/drawing/2014/main" id="{38B4E9BA-2FFB-E14B-A70C-EC8EA3A2C55E}"/>
-              </a:ext>
-            </a:extLst>
-          </p:cNvPr>
-          <p:cNvPicPr>
-            <a:picLocks noChangeAspect="1"/>
-          </p:cNvPicPr>
+        <p:style>
+          <a:lnRef idx="2">
+            <a:schemeClr val="accent1">
+              <a:shade val="50000"/>
+            </a:schemeClr>
+          </a:lnRef>
+          <a:fillRef idx="1">
+            <a:schemeClr val="accent1"/>
+          </a:fillRef>
+          <a:effectRef idx="0">
+            <a:schemeClr val="accent1"/>
+          </a:effectRef>
+          <a:fontRef idx="minor">
+            <a:schemeClr val="lt1"/>
+          </a:fontRef>
+        </p:style>
+        <p:txBody>
+          <a:bodyPr rtlCol="0" anchor="ctr"/>
+          <a:lstStyle/>
+          <a:p>
+            <a:pPr algn="ctr"/>
+            <a:endParaRPr lang="en-US"/>
+          </a:p>
+        </p:txBody>
+      </p:sp>
+      <p:sp>
+        <p:nvSpPr>
+          <p:cNvPr id="7" name="Rectangle 6">
+            <a:extLst>
+              <a:ext uri="{FF2B5EF4-FFF2-40B4-BE49-F238E27FC236}">
+                <a16:creationId xmlns:a16="http://schemas.microsoft.com/office/drawing/2014/main" id="{E87673A0-1354-4844-AE44-C1B21C491C60}"/>
+              </a:ext>
+            </a:extLst>
+          </p:cNvPr>
+          <p:cNvSpPr/>
           <p:nvPr/>
-        </p:nvPicPr>
-        <p:blipFill>
-          <a:blip r:embed="rId4"/>
-          <a:stretch>
-            <a:fillRect/>
-          </a:stretch>
-        </p:blipFill>
+        </p:nvSpPr>
         <p:spPr>
           <a:xfrm>
-            <a:off x="4406604" y="682699"/>
-            <a:ext cx="7777127" cy="5832845"/>
+            <a:off x="2408904" y="2333302"/>
+            <a:ext cx="460421" cy="4198883"/>
           </a:xfrm>
           <a:prstGeom prst="rect">
             <a:avLst/>
           </a:prstGeom>
+          <a:noFill/>
+          <a:ln>
+            <a:solidFill>
+              <a:srgbClr val="FF0000"/>
+            </a:solidFill>
+          </a:ln>
         </p:spPr>
-      </p:pic>
+        <p:style>
+          <a:lnRef idx="2">
+            <a:schemeClr val="accent1">
+              <a:shade val="50000"/>
+            </a:schemeClr>
+          </a:lnRef>
+          <a:fillRef idx="1">
+            <a:schemeClr val="accent1"/>
+          </a:fillRef>
+          <a:effectRef idx="0">
+            <a:schemeClr val="accent1"/>
+          </a:effectRef>
+          <a:fontRef idx="minor">
+            <a:schemeClr val="lt1"/>
+          </a:fontRef>
+        </p:style>
+        <p:txBody>
+          <a:bodyPr rtlCol="0" anchor="ctr"/>
+          <a:lstStyle/>
+          <a:p>
+            <a:pPr algn="ctr"/>
+            <a:endParaRPr lang="en-US"/>
+          </a:p>
+        </p:txBody>
+      </p:sp>
     </p:spTree>
     <p:extLst>
       <p:ext uri="{BB962C8B-B14F-4D97-AF65-F5344CB8AC3E}">
-        <p14:creationId xmlns:p14="http://schemas.microsoft.com/office/powerpoint/2010/main" val="869509315"/>
+        <p14:creationId xmlns:p14="http://schemas.microsoft.com/office/powerpoint/2010/main" val="125141967"/>
       </p:ext>
     </p:extLst>
   </p:cSld>
@@ -9746,10 +10385,10 @@
       </p:grpSpPr>
       <p:sp>
         <p:nvSpPr>
-          <p:cNvPr id="4" name="Title 1">
-            <a:extLst>
-              <a:ext uri="{FF2B5EF4-FFF2-40B4-BE49-F238E27FC236}">
-                <a16:creationId xmlns:a16="http://schemas.microsoft.com/office/drawing/2014/main" id="{09C70F25-AF05-C34A-BEEB-0E7B020EC4E2}"/>
+          <p:cNvPr id="2" name="Title 1">
+            <a:extLst>
+              <a:ext uri="{FF2B5EF4-FFF2-40B4-BE49-F238E27FC236}">
+                <a16:creationId xmlns:a16="http://schemas.microsoft.com/office/drawing/2014/main" id="{7ECD888C-8676-DD48-9D9B-B148C9913BF5}"/>
               </a:ext>
             </a:extLst>
           </p:cNvPr>
@@ -9772,17 +10411,17 @@
           <a:p>
             <a:r>
               <a:rPr lang="en-US" dirty="0"/>
-              <a:t>Pain correlation with Temp</a:t>
+              <a:t>NPS correlation with Pain vs. Temp</a:t>
             </a:r>
           </a:p>
         </p:txBody>
       </p:sp>
       <p:pic>
         <p:nvPicPr>
-          <p:cNvPr id="8" name="Picture 7" descr="A close up of a map&#10;&#10;Description automatically generated">
-            <a:extLst>
-              <a:ext uri="{FF2B5EF4-FFF2-40B4-BE49-F238E27FC236}">
-                <a16:creationId xmlns:a16="http://schemas.microsoft.com/office/drawing/2014/main" id="{2BC58899-B2C2-FD4D-9A67-958ED794C523}"/>
+          <p:cNvPr id="5" name="Picture 4" descr="A picture containing different, table, man, group&#10;&#10;Description automatically generated">
+            <a:extLst>
+              <a:ext uri="{FF2B5EF4-FFF2-40B4-BE49-F238E27FC236}">
+                <a16:creationId xmlns:a16="http://schemas.microsoft.com/office/drawing/2014/main" id="{12135896-FBCE-D049-B82B-59A7D9A536AD}"/>
               </a:ext>
             </a:extLst>
           </p:cNvPr>
@@ -9799,8 +10438,8 @@
         </p:blipFill>
         <p:spPr>
           <a:xfrm>
-            <a:off x="-245154" y="1032778"/>
-            <a:ext cx="6814300" cy="4081482"/>
+            <a:off x="486104" y="620389"/>
+            <a:ext cx="4221126" cy="3165845"/>
           </a:xfrm>
           <a:prstGeom prst="rect">
             <a:avLst/>
@@ -9809,10 +10448,10 @@
       </p:pic>
       <p:pic>
         <p:nvPicPr>
-          <p:cNvPr id="9" name="Picture 8" descr="A screenshot of a cell phone&#10;&#10;Description automatically generated">
-            <a:extLst>
-              <a:ext uri="{FF2B5EF4-FFF2-40B4-BE49-F238E27FC236}">
-                <a16:creationId xmlns:a16="http://schemas.microsoft.com/office/drawing/2014/main" id="{9816635F-035C-294F-9485-AC6AB11829AA}"/>
+          <p:cNvPr id="7" name="Picture 6" descr="A picture containing group&#10;&#10;Description automatically generated">
+            <a:extLst>
+              <a:ext uri="{FF2B5EF4-FFF2-40B4-BE49-F238E27FC236}">
+                <a16:creationId xmlns:a16="http://schemas.microsoft.com/office/drawing/2014/main" id="{3693D1BD-3DAB-4740-85BD-2D29F1F56C4A}"/>
               </a:ext>
             </a:extLst>
           </p:cNvPr>
@@ -9829,8 +10468,38 @@
         </p:blipFill>
         <p:spPr>
           <a:xfrm>
-            <a:off x="6522064" y="965477"/>
-            <a:ext cx="5829423" cy="4372067"/>
+            <a:off x="486104" y="3567590"/>
+            <a:ext cx="4221126" cy="3165845"/>
+          </a:xfrm>
+          <a:prstGeom prst="rect">
+            <a:avLst/>
+          </a:prstGeom>
+        </p:spPr>
+      </p:pic>
+      <p:pic>
+        <p:nvPicPr>
+          <p:cNvPr id="9" name="Picture 8">
+            <a:extLst>
+              <a:ext uri="{FF2B5EF4-FFF2-40B4-BE49-F238E27FC236}">
+                <a16:creationId xmlns:a16="http://schemas.microsoft.com/office/drawing/2014/main" id="{38B4E9BA-2FFB-E14B-A70C-EC8EA3A2C55E}"/>
+              </a:ext>
+            </a:extLst>
+          </p:cNvPr>
+          <p:cNvPicPr>
+            <a:picLocks noChangeAspect="1"/>
+          </p:cNvPicPr>
+          <p:nvPr/>
+        </p:nvPicPr>
+        <p:blipFill>
+          <a:blip r:embed="rId4"/>
+          <a:stretch>
+            <a:fillRect/>
+          </a:stretch>
+        </p:blipFill>
+        <p:spPr>
+          <a:xfrm>
+            <a:off x="5564638" y="1180221"/>
+            <a:ext cx="5996744" cy="4497558"/>
           </a:xfrm>
           <a:prstGeom prst="rect">
             <a:avLst/>
@@ -9840,7 +10509,7 @@
     </p:spTree>
     <p:extLst>
       <p:ext uri="{BB962C8B-B14F-4D97-AF65-F5344CB8AC3E}">
-        <p14:creationId xmlns:p14="http://schemas.microsoft.com/office/powerpoint/2010/main" val="2793154547"/>
+        <p14:creationId xmlns:p14="http://schemas.microsoft.com/office/powerpoint/2010/main" val="869509315"/>
       </p:ext>
     </p:extLst>
   </p:cSld>
@@ -9872,6 +10541,154 @@
           <p:cNvPr id="2" name="Title 1">
             <a:extLst>
               <a:ext uri="{FF2B5EF4-FFF2-40B4-BE49-F238E27FC236}">
+                <a16:creationId xmlns:a16="http://schemas.microsoft.com/office/drawing/2014/main" id="{A877FC4A-EB5D-244B-8C91-2B16235B1A74}"/>
+              </a:ext>
+            </a:extLst>
+          </p:cNvPr>
+          <p:cNvSpPr>
+            <a:spLocks noGrp="1"/>
+          </p:cNvSpPr>
+          <p:nvPr>
+            <p:ph type="title"/>
+          </p:nvPr>
+        </p:nvSpPr>
+        <p:spPr>
+          <a:xfrm>
+            <a:off x="-76204" y="-360093"/>
+            <a:ext cx="10515600" cy="1325563"/>
+          </a:xfrm>
+        </p:spPr>
+        <p:txBody>
+          <a:bodyPr/>
+          <a:lstStyle/>
+          <a:p>
+            <a:r>
+              <a:rPr lang="en-US" altLang="zh-CN" dirty="0"/>
+              <a:t>NPS</a:t>
+            </a:r>
+            <a:r>
+              <a:rPr lang="zh-CN" altLang="en-US" dirty="0"/>
+              <a:t> </a:t>
+            </a:r>
+            <a:r>
+              <a:rPr lang="en-US" altLang="zh-CN" dirty="0"/>
+              <a:t>with</a:t>
+            </a:r>
+            <a:r>
+              <a:rPr lang="zh-CN" altLang="en-US" dirty="0"/>
+              <a:t> </a:t>
+            </a:r>
+            <a:r>
+              <a:rPr lang="en-US" altLang="zh-CN" dirty="0"/>
+              <a:t>Pain:</a:t>
+            </a:r>
+            <a:r>
+              <a:rPr lang="zh-CN" altLang="en-US" dirty="0"/>
+              <a:t> </a:t>
+            </a:r>
+            <a:r>
+              <a:rPr lang="en-US" altLang="zh-CN" dirty="0"/>
+              <a:t>between-subject</a:t>
+            </a:r>
+            <a:endParaRPr lang="en-US" dirty="0"/>
+          </a:p>
+        </p:txBody>
+      </p:sp>
+      <p:pic>
+        <p:nvPicPr>
+          <p:cNvPr id="5" name="Picture 4" descr="A close up of a map&#10;&#10;Description automatically generated">
+            <a:extLst>
+              <a:ext uri="{FF2B5EF4-FFF2-40B4-BE49-F238E27FC236}">
+                <a16:creationId xmlns:a16="http://schemas.microsoft.com/office/drawing/2014/main" id="{6AEEC5BD-760B-C647-9D32-FD75BE921EB0}"/>
+              </a:ext>
+            </a:extLst>
+          </p:cNvPr>
+          <p:cNvPicPr>
+            <a:picLocks noChangeAspect="1"/>
+          </p:cNvPicPr>
+          <p:nvPr/>
+        </p:nvPicPr>
+        <p:blipFill>
+          <a:blip r:embed="rId2"/>
+          <a:stretch>
+            <a:fillRect/>
+          </a:stretch>
+        </p:blipFill>
+        <p:spPr>
+          <a:xfrm>
+            <a:off x="-974263" y="740925"/>
+            <a:ext cx="10212856" cy="6117075"/>
+          </a:xfrm>
+          <a:prstGeom prst="rect">
+            <a:avLst/>
+          </a:prstGeom>
+        </p:spPr>
+      </p:pic>
+      <p:pic>
+        <p:nvPicPr>
+          <p:cNvPr id="7" name="Picture 6" descr="A close up of text on a white background&#10;&#10;Description automatically generated">
+            <a:extLst>
+              <a:ext uri="{FF2B5EF4-FFF2-40B4-BE49-F238E27FC236}">
+                <a16:creationId xmlns:a16="http://schemas.microsoft.com/office/drawing/2014/main" id="{206025C2-10E5-2447-BC01-8CA260BDDEA4}"/>
+              </a:ext>
+            </a:extLst>
+          </p:cNvPr>
+          <p:cNvPicPr>
+            <a:picLocks noChangeAspect="1"/>
+          </p:cNvPicPr>
+          <p:nvPr/>
+        </p:nvPicPr>
+        <p:blipFill>
+          <a:blip r:embed="rId3"/>
+          <a:stretch>
+            <a:fillRect/>
+          </a:stretch>
+        </p:blipFill>
+        <p:spPr>
+          <a:xfrm>
+            <a:off x="8439711" y="1806297"/>
+            <a:ext cx="3752289" cy="3017951"/>
+          </a:xfrm>
+          <a:prstGeom prst="rect">
+            <a:avLst/>
+          </a:prstGeom>
+        </p:spPr>
+      </p:pic>
+    </p:spTree>
+    <p:extLst>
+      <p:ext uri="{BB962C8B-B14F-4D97-AF65-F5344CB8AC3E}">
+        <p14:creationId xmlns:p14="http://schemas.microsoft.com/office/powerpoint/2010/main" val="1590523315"/>
+      </p:ext>
+    </p:extLst>
+  </p:cSld>
+  <p:clrMapOvr>
+    <a:masterClrMapping/>
+  </p:clrMapOvr>
+</p:sld>
+</file>
+
+<file path=ppt/slides/slide8.xml><?xml version="1.0" encoding="utf-8"?>
+<p:sld xmlns:a="http://schemas.openxmlformats.org/drawingml/2006/main" xmlns:r="http://schemas.openxmlformats.org/officeDocument/2006/relationships" xmlns:p="http://schemas.openxmlformats.org/presentationml/2006/main">
+  <p:cSld>
+    <p:spTree>
+      <p:nvGrpSpPr>
+        <p:cNvPr id="1" name=""/>
+        <p:cNvGrpSpPr/>
+        <p:nvPr/>
+      </p:nvGrpSpPr>
+      <p:grpSpPr>
+        <a:xfrm>
+          <a:off x="0" y="0"/>
+          <a:ext cx="0" cy="0"/>
+          <a:chOff x="0" y="0"/>
+          <a:chExt cx="0" cy="0"/>
+        </a:xfrm>
+      </p:grpSpPr>
+      <p:sp>
+        <p:nvSpPr>
+          <p:cNvPr id="2" name="Title 1">
+            <a:extLst>
+              <a:ext uri="{FF2B5EF4-FFF2-40B4-BE49-F238E27FC236}">
                 <a16:creationId xmlns:a16="http://schemas.microsoft.com/office/drawing/2014/main" id="{83571C5F-AACA-CC41-84A3-406C2FF685AA}"/>
               </a:ext>
             </a:extLst>
@@ -9932,7 +10749,7 @@
           <p:nvPr/>
         </p:nvPicPr>
         <p:blipFill>
-          <a:blip r:embed="rId2"/>
+          <a:blip r:embed="rId3"/>
           <a:stretch>
             <a:fillRect/>
           </a:stretch>
@@ -9951,6 +10768,129 @@
     <p:extLst>
       <p:ext uri="{BB962C8B-B14F-4D97-AF65-F5344CB8AC3E}">
         <p14:creationId xmlns:p14="http://schemas.microsoft.com/office/powerpoint/2010/main" val="301334128"/>
+      </p:ext>
+    </p:extLst>
+  </p:cSld>
+  <p:clrMapOvr>
+    <a:masterClrMapping/>
+  </p:clrMapOvr>
+</p:sld>
+</file>
+
+<file path=ppt/slides/slide9.xml><?xml version="1.0" encoding="utf-8"?>
+<p:sld xmlns:a="http://schemas.openxmlformats.org/drawingml/2006/main" xmlns:r="http://schemas.openxmlformats.org/officeDocument/2006/relationships" xmlns:p="http://schemas.openxmlformats.org/presentationml/2006/main">
+  <p:cSld>
+    <p:spTree>
+      <p:nvGrpSpPr>
+        <p:cNvPr id="1" name=""/>
+        <p:cNvGrpSpPr/>
+        <p:nvPr/>
+      </p:nvGrpSpPr>
+      <p:grpSpPr>
+        <a:xfrm>
+          <a:off x="0" y="0"/>
+          <a:ext cx="0" cy="0"/>
+          <a:chOff x="0" y="0"/>
+          <a:chExt cx="0" cy="0"/>
+        </a:xfrm>
+      </p:grpSpPr>
+      <p:sp>
+        <p:nvSpPr>
+          <p:cNvPr id="4" name="Title 1">
+            <a:extLst>
+              <a:ext uri="{FF2B5EF4-FFF2-40B4-BE49-F238E27FC236}">
+                <a16:creationId xmlns:a16="http://schemas.microsoft.com/office/drawing/2014/main" id="{09C70F25-AF05-C34A-BEEB-0E7B020EC4E2}"/>
+              </a:ext>
+            </a:extLst>
+          </p:cNvPr>
+          <p:cNvSpPr>
+            <a:spLocks noGrp="1"/>
+          </p:cNvSpPr>
+          <p:nvPr>
+            <p:ph type="title"/>
+          </p:nvPr>
+        </p:nvSpPr>
+        <p:spPr>
+          <a:xfrm>
+            <a:off x="-2630" y="-360086"/>
+            <a:ext cx="10515600" cy="1325563"/>
+          </a:xfrm>
+        </p:spPr>
+        <p:txBody>
+          <a:bodyPr/>
+          <a:lstStyle/>
+          <a:p>
+            <a:r>
+              <a:rPr lang="en-US" dirty="0"/>
+              <a:t>Pain correlation with Temp</a:t>
+            </a:r>
+          </a:p>
+        </p:txBody>
+      </p:sp>
+      <p:pic>
+        <p:nvPicPr>
+          <p:cNvPr id="8" name="Picture 7" descr="A close up of a map&#10;&#10;Description automatically generated">
+            <a:extLst>
+              <a:ext uri="{FF2B5EF4-FFF2-40B4-BE49-F238E27FC236}">
+                <a16:creationId xmlns:a16="http://schemas.microsoft.com/office/drawing/2014/main" id="{2BC58899-B2C2-FD4D-9A67-958ED794C523}"/>
+              </a:ext>
+            </a:extLst>
+          </p:cNvPr>
+          <p:cNvPicPr>
+            <a:picLocks noChangeAspect="1"/>
+          </p:cNvPicPr>
+          <p:nvPr/>
+        </p:nvPicPr>
+        <p:blipFill>
+          <a:blip r:embed="rId2"/>
+          <a:stretch>
+            <a:fillRect/>
+          </a:stretch>
+        </p:blipFill>
+        <p:spPr>
+          <a:xfrm>
+            <a:off x="-245154" y="1032778"/>
+            <a:ext cx="6814300" cy="4081482"/>
+          </a:xfrm>
+          <a:prstGeom prst="rect">
+            <a:avLst/>
+          </a:prstGeom>
+        </p:spPr>
+      </p:pic>
+      <p:pic>
+        <p:nvPicPr>
+          <p:cNvPr id="9" name="Picture 8" descr="A screenshot of a cell phone&#10;&#10;Description automatically generated">
+            <a:extLst>
+              <a:ext uri="{FF2B5EF4-FFF2-40B4-BE49-F238E27FC236}">
+                <a16:creationId xmlns:a16="http://schemas.microsoft.com/office/drawing/2014/main" id="{9816635F-035C-294F-9485-AC6AB11829AA}"/>
+              </a:ext>
+            </a:extLst>
+          </p:cNvPr>
+          <p:cNvPicPr>
+            <a:picLocks noChangeAspect="1"/>
+          </p:cNvPicPr>
+          <p:nvPr/>
+        </p:nvPicPr>
+        <p:blipFill>
+          <a:blip r:embed="rId3"/>
+          <a:stretch>
+            <a:fillRect/>
+          </a:stretch>
+        </p:blipFill>
+        <p:spPr>
+          <a:xfrm>
+            <a:off x="6522064" y="965477"/>
+            <a:ext cx="5829423" cy="4372067"/>
+          </a:xfrm>
+          <a:prstGeom prst="rect">
+            <a:avLst/>
+          </a:prstGeom>
+        </p:spPr>
+      </p:pic>
+    </p:spTree>
+    <p:extLst>
+      <p:ext uri="{BB962C8B-B14F-4D97-AF65-F5344CB8AC3E}">
+        <p14:creationId xmlns:p14="http://schemas.microsoft.com/office/powerpoint/2010/main" val="2793154547"/>
       </p:ext>
     </p:extLst>
   </p:cSld>
@@ -10253,4 +11193,299 @@
     </a:ext>
   </a:extLst>
 </a:theme>
+</file>
+
+<file path=ppt/theme/theme2.xml><?xml version="1.0" encoding="utf-8"?>
+<a:theme xmlns:a="http://schemas.openxmlformats.org/drawingml/2006/main" name="Office Theme">
+  <a:themeElements>
+    <a:clrScheme name="Office">
+      <a:dk1>
+        <a:sysClr val="windowText" lastClr="000000"/>
+      </a:dk1>
+      <a:lt1>
+        <a:sysClr val="window" lastClr="FFFFFF"/>
+      </a:lt1>
+      <a:dk2>
+        <a:srgbClr val="44546A"/>
+      </a:dk2>
+      <a:lt2>
+        <a:srgbClr val="E7E6E6"/>
+      </a:lt2>
+      <a:accent1>
+        <a:srgbClr val="4472C4"/>
+      </a:accent1>
+      <a:accent2>
+        <a:srgbClr val="ED7D31"/>
+      </a:accent2>
+      <a:accent3>
+        <a:srgbClr val="A5A5A5"/>
+      </a:accent3>
+      <a:accent4>
+        <a:srgbClr val="FFC000"/>
+      </a:accent4>
+      <a:accent5>
+        <a:srgbClr val="5B9BD5"/>
+      </a:accent5>
+      <a:accent6>
+        <a:srgbClr val="70AD47"/>
+      </a:accent6>
+      <a:hlink>
+        <a:srgbClr val="0563C1"/>
+      </a:hlink>
+      <a:folHlink>
+        <a:srgbClr val="954F72"/>
+      </a:folHlink>
+    </a:clrScheme>
+    <a:fontScheme name="Office">
+      <a:majorFont>
+        <a:latin typeface="Calibri Light" panose="020F0302020204030204"/>
+        <a:ea typeface=""/>
+        <a:cs typeface=""/>
+        <a:font script="Jpan" typeface="游ゴシック Light"/>
+        <a:font script="Hang" typeface="맑은 고딕"/>
+        <a:font script="Hans" typeface="等线 Light"/>
+        <a:font script="Hant" typeface="新細明體"/>
+        <a:font script="Arab" typeface="Times New Roman"/>
+        <a:font script="Hebr" typeface="Times New Roman"/>
+        <a:font script="Thai" typeface="Angsana New"/>
+        <a:font script="Ethi" typeface="Nyala"/>
+        <a:font script="Beng" typeface="Vrinda"/>
+        <a:font script="Gujr" typeface="Shruti"/>
+        <a:font script="Khmr" typeface="MoolBoran"/>
+        <a:font script="Knda" typeface="Tunga"/>
+        <a:font script="Guru" typeface="Raavi"/>
+        <a:font script="Cans" typeface="Euphemia"/>
+        <a:font script="Cher" typeface="Plantagenet Cherokee"/>
+        <a:font script="Yiii" typeface="Microsoft Yi Baiti"/>
+        <a:font script="Tibt" typeface="Microsoft Himalaya"/>
+        <a:font script="Thaa" typeface="MV Boli"/>
+        <a:font script="Deva" typeface="Mangal"/>
+        <a:font script="Telu" typeface="Gautami"/>
+        <a:font script="Taml" typeface="Latha"/>
+        <a:font script="Syrc" typeface="Estrangelo Edessa"/>
+        <a:font script="Orya" typeface="Kalinga"/>
+        <a:font script="Mlym" typeface="Kartika"/>
+        <a:font script="Laoo" typeface="DokChampa"/>
+        <a:font script="Sinh" typeface="Iskoola Pota"/>
+        <a:font script="Mong" typeface="Mongolian Baiti"/>
+        <a:font script="Viet" typeface="Times New Roman"/>
+        <a:font script="Uigh" typeface="Microsoft Uighur"/>
+        <a:font script="Geor" typeface="Sylfaen"/>
+        <a:font script="Armn" typeface="Arial"/>
+        <a:font script="Bugi" typeface="Leelawadee UI"/>
+        <a:font script="Bopo" typeface="Microsoft JhengHei"/>
+        <a:font script="Java" typeface="Javanese Text"/>
+        <a:font script="Lisu" typeface="Segoe UI"/>
+        <a:font script="Mymr" typeface="Myanmar Text"/>
+        <a:font script="Nkoo" typeface="Ebrima"/>
+        <a:font script="Olck" typeface="Nirmala UI"/>
+        <a:font script="Osma" typeface="Ebrima"/>
+        <a:font script="Phag" typeface="Phagspa"/>
+        <a:font script="Syrn" typeface="Estrangelo Edessa"/>
+        <a:font script="Syrj" typeface="Estrangelo Edessa"/>
+        <a:font script="Syre" typeface="Estrangelo Edessa"/>
+        <a:font script="Sora" typeface="Nirmala UI"/>
+        <a:font script="Tale" typeface="Microsoft Tai Le"/>
+        <a:font script="Talu" typeface="Microsoft New Tai Lue"/>
+        <a:font script="Tfng" typeface="Ebrima"/>
+      </a:majorFont>
+      <a:minorFont>
+        <a:latin typeface="Calibri" panose="020F0502020204030204"/>
+        <a:ea typeface=""/>
+        <a:cs typeface=""/>
+        <a:font script="Jpan" typeface="游ゴシック"/>
+        <a:font script="Hang" typeface="맑은 고딕"/>
+        <a:font script="Hans" typeface="等线"/>
+        <a:font script="Hant" typeface="新細明體"/>
+        <a:font script="Arab" typeface="Arial"/>
+        <a:font script="Hebr" typeface="Arial"/>
+        <a:font script="Thai" typeface="Cordia New"/>
+        <a:font script="Ethi" typeface="Nyala"/>
+        <a:font script="Beng" typeface="Vrinda"/>
+        <a:font script="Gujr" typeface="Shruti"/>
+        <a:font script="Khmr" typeface="DaunPenh"/>
+        <a:font script="Knda" typeface="Tunga"/>
+        <a:font script="Guru" typeface="Raavi"/>
+        <a:font script="Cans" typeface="Euphemia"/>
+        <a:font script="Cher" typeface="Plantagenet Cherokee"/>
+        <a:font script="Yiii" typeface="Microsoft Yi Baiti"/>
+        <a:font script="Tibt" typeface="Microsoft Himalaya"/>
+        <a:font script="Thaa" typeface="MV Boli"/>
+        <a:font script="Deva" typeface="Mangal"/>
+        <a:font script="Telu" typeface="Gautami"/>
+        <a:font script="Taml" typeface="Latha"/>
+        <a:font script="Syrc" typeface="Estrangelo Edessa"/>
+        <a:font script="Orya" typeface="Kalinga"/>
+        <a:font script="Mlym" typeface="Kartika"/>
+        <a:font script="Laoo" typeface="DokChampa"/>
+        <a:font script="Sinh" typeface="Iskoola Pota"/>
+        <a:font script="Mong" typeface="Mongolian Baiti"/>
+        <a:font script="Viet" typeface="Arial"/>
+        <a:font script="Uigh" typeface="Microsoft Uighur"/>
+        <a:font script="Geor" typeface="Sylfaen"/>
+        <a:font script="Armn" typeface="Arial"/>
+        <a:font script="Bugi" typeface="Leelawadee UI"/>
+        <a:font script="Bopo" typeface="Microsoft JhengHei"/>
+        <a:font script="Java" typeface="Javanese Text"/>
+        <a:font script="Lisu" typeface="Segoe UI"/>
+        <a:font script="Mymr" typeface="Myanmar Text"/>
+        <a:font script="Nkoo" typeface="Ebrima"/>
+        <a:font script="Olck" typeface="Nirmala UI"/>
+        <a:font script="Osma" typeface="Ebrima"/>
+        <a:font script="Phag" typeface="Phagspa"/>
+        <a:font script="Syrn" typeface="Estrangelo Edessa"/>
+        <a:font script="Syrj" typeface="Estrangelo Edessa"/>
+        <a:font script="Syre" typeface="Estrangelo Edessa"/>
+        <a:font script="Sora" typeface="Nirmala UI"/>
+        <a:font script="Tale" typeface="Microsoft Tai Le"/>
+        <a:font script="Talu" typeface="Microsoft New Tai Lue"/>
+        <a:font script="Tfng" typeface="Ebrima"/>
+      </a:minorFont>
+    </a:fontScheme>
+    <a:fmtScheme name="Office">
+      <a:fillStyleLst>
+        <a:solidFill>
+          <a:schemeClr val="phClr"/>
+        </a:solidFill>
+        <a:gradFill rotWithShape="1">
+          <a:gsLst>
+            <a:gs pos="0">
+              <a:schemeClr val="phClr">
+                <a:lumMod val="110000"/>
+                <a:satMod val="105000"/>
+                <a:tint val="67000"/>
+              </a:schemeClr>
+            </a:gs>
+            <a:gs pos="50000">
+              <a:schemeClr val="phClr">
+                <a:lumMod val="105000"/>
+                <a:satMod val="103000"/>
+                <a:tint val="73000"/>
+              </a:schemeClr>
+            </a:gs>
+            <a:gs pos="100000">
+              <a:schemeClr val="phClr">
+                <a:lumMod val="105000"/>
+                <a:satMod val="109000"/>
+                <a:tint val="81000"/>
+              </a:schemeClr>
+            </a:gs>
+          </a:gsLst>
+          <a:lin ang="5400000" scaled="0"/>
+        </a:gradFill>
+        <a:gradFill rotWithShape="1">
+          <a:gsLst>
+            <a:gs pos="0">
+              <a:schemeClr val="phClr">
+                <a:satMod val="103000"/>
+                <a:lumMod val="102000"/>
+                <a:tint val="94000"/>
+              </a:schemeClr>
+            </a:gs>
+            <a:gs pos="50000">
+              <a:schemeClr val="phClr">
+                <a:satMod val="110000"/>
+                <a:lumMod val="100000"/>
+                <a:shade val="100000"/>
+              </a:schemeClr>
+            </a:gs>
+            <a:gs pos="100000">
+              <a:schemeClr val="phClr">
+                <a:lumMod val="99000"/>
+                <a:satMod val="120000"/>
+                <a:shade val="78000"/>
+              </a:schemeClr>
+            </a:gs>
+          </a:gsLst>
+          <a:lin ang="5400000" scaled="0"/>
+        </a:gradFill>
+      </a:fillStyleLst>
+      <a:lnStyleLst>
+        <a:ln w="6350" cap="flat" cmpd="sng" algn="ctr">
+          <a:solidFill>
+            <a:schemeClr val="phClr"/>
+          </a:solidFill>
+          <a:prstDash val="solid"/>
+          <a:miter lim="800000"/>
+        </a:ln>
+        <a:ln w="12700" cap="flat" cmpd="sng" algn="ctr">
+          <a:solidFill>
+            <a:schemeClr val="phClr"/>
+          </a:solidFill>
+          <a:prstDash val="solid"/>
+          <a:miter lim="800000"/>
+        </a:ln>
+        <a:ln w="19050" cap="flat" cmpd="sng" algn="ctr">
+          <a:solidFill>
+            <a:schemeClr val="phClr"/>
+          </a:solidFill>
+          <a:prstDash val="solid"/>
+          <a:miter lim="800000"/>
+        </a:ln>
+      </a:lnStyleLst>
+      <a:effectStyleLst>
+        <a:effectStyle>
+          <a:effectLst/>
+        </a:effectStyle>
+        <a:effectStyle>
+          <a:effectLst/>
+        </a:effectStyle>
+        <a:effectStyle>
+          <a:effectLst>
+            <a:outerShdw blurRad="57150" dist="19050" dir="5400000" algn="ctr" rotWithShape="0">
+              <a:srgbClr val="000000">
+                <a:alpha val="63000"/>
+              </a:srgbClr>
+            </a:outerShdw>
+          </a:effectLst>
+        </a:effectStyle>
+      </a:effectStyleLst>
+      <a:bgFillStyleLst>
+        <a:solidFill>
+          <a:schemeClr val="phClr"/>
+        </a:solidFill>
+        <a:solidFill>
+          <a:schemeClr val="phClr">
+            <a:tint val="95000"/>
+            <a:satMod val="170000"/>
+          </a:schemeClr>
+        </a:solidFill>
+        <a:gradFill rotWithShape="1">
+          <a:gsLst>
+            <a:gs pos="0">
+              <a:schemeClr val="phClr">
+                <a:tint val="93000"/>
+                <a:satMod val="150000"/>
+                <a:shade val="98000"/>
+                <a:lumMod val="102000"/>
+              </a:schemeClr>
+            </a:gs>
+            <a:gs pos="50000">
+              <a:schemeClr val="phClr">
+                <a:tint val="98000"/>
+                <a:satMod val="130000"/>
+                <a:shade val="90000"/>
+                <a:lumMod val="103000"/>
+              </a:schemeClr>
+            </a:gs>
+            <a:gs pos="100000">
+              <a:schemeClr val="phClr">
+                <a:shade val="63000"/>
+                <a:satMod val="120000"/>
+              </a:schemeClr>
+            </a:gs>
+          </a:gsLst>
+          <a:lin ang="5400000" scaled="0"/>
+        </a:gradFill>
+      </a:bgFillStyleLst>
+    </a:fmtScheme>
+  </a:themeElements>
+  <a:objectDefaults/>
+  <a:extraClrSchemeLst/>
+  <a:extLst>
+    <a:ext uri="{05A4C25C-085E-4340-85A3-A5531E510DB2}">
+      <thm15:themeFamily xmlns:thm15="http://schemas.microsoft.com/office/thememl/2012/main" name="Office Theme" id="{62F939B6-93AF-4DB8-9C6B-D6C7DFDC589F}" vid="{4A3C46E8-61CC-4603-A589-7422A47A8E4A}"/>
+    </a:ext>
+  </a:extLst>
+</a:theme>
 </file>